--- a/progettomatlabfine.pptx
+++ b/progettomatlabfine.pptx
@@ -13,19 +13,20 @@
     <p:sldId id="260" r:id="rId7"/>
     <p:sldId id="259" r:id="rId8"/>
     <p:sldId id="272" r:id="rId9"/>
-    <p:sldId id="267" r:id="rId10"/>
-    <p:sldId id="281" r:id="rId11"/>
-    <p:sldId id="266" r:id="rId12"/>
-    <p:sldId id="270" r:id="rId13"/>
-    <p:sldId id="261" r:id="rId14"/>
-    <p:sldId id="271" r:id="rId15"/>
-    <p:sldId id="274" r:id="rId16"/>
-    <p:sldId id="276" r:id="rId17"/>
-    <p:sldId id="277" r:id="rId18"/>
-    <p:sldId id="278" r:id="rId19"/>
-    <p:sldId id="279" r:id="rId20"/>
-    <p:sldId id="283" r:id="rId21"/>
-    <p:sldId id="284" r:id="rId22"/>
+    <p:sldId id="281" r:id="rId10"/>
+    <p:sldId id="266" r:id="rId11"/>
+    <p:sldId id="270" r:id="rId12"/>
+    <p:sldId id="261" r:id="rId13"/>
+    <p:sldId id="271" r:id="rId14"/>
+    <p:sldId id="274" r:id="rId15"/>
+    <p:sldId id="276" r:id="rId16"/>
+    <p:sldId id="277" r:id="rId17"/>
+    <p:sldId id="278" r:id="rId18"/>
+    <p:sldId id="279" r:id="rId19"/>
+    <p:sldId id="285" r:id="rId20"/>
+    <p:sldId id="286" r:id="rId21"/>
+    <p:sldId id="283" r:id="rId22"/>
+    <p:sldId id="284" r:id="rId23"/>
   </p:sldIdLst>
   <p:sldSz cx="12192000" cy="6858000"/>
   <p:notesSz cx="6858000" cy="9144000"/>
@@ -314,7 +315,7 @@
           <a:p>
             <a:fld id="{465CFDFA-CF26-42CF-9DDE-37B2F708C550}" type="datetimeFigureOut">
               <a:rPr lang="it-IT" smtClean="0"/>
-              <a:t>08/05/2019</a:t>
+              <a:t>09/05/2019</a:t>
             </a:fld>
             <a:endParaRPr lang="it-IT"/>
           </a:p>
@@ -581,7 +582,7 @@
           <a:p>
             <a:fld id="{465CFDFA-CF26-42CF-9DDE-37B2F708C550}" type="datetimeFigureOut">
               <a:rPr lang="it-IT" smtClean="0"/>
-              <a:t>08/05/2019</a:t>
+              <a:t>09/05/2019</a:t>
             </a:fld>
             <a:endParaRPr lang="it-IT"/>
           </a:p>
@@ -812,7 +813,7 @@
           <a:p>
             <a:fld id="{465CFDFA-CF26-42CF-9DDE-37B2F708C550}" type="datetimeFigureOut">
               <a:rPr lang="it-IT" smtClean="0"/>
-              <a:t>08/05/2019</a:t>
+              <a:t>09/05/2019</a:t>
             </a:fld>
             <a:endParaRPr lang="it-IT"/>
           </a:p>
@@ -1122,7 +1123,7 @@
           <a:p>
             <a:fld id="{465CFDFA-CF26-42CF-9DDE-37B2F708C550}" type="datetimeFigureOut">
               <a:rPr lang="it-IT" smtClean="0"/>
-              <a:t>08/05/2019</a:t>
+              <a:t>09/05/2019</a:t>
             </a:fld>
             <a:endParaRPr lang="it-IT"/>
           </a:p>
@@ -1595,7 +1596,7 @@
           <a:p>
             <a:fld id="{465CFDFA-CF26-42CF-9DDE-37B2F708C550}" type="datetimeFigureOut">
               <a:rPr lang="it-IT" smtClean="0"/>
-              <a:t>08/05/2019</a:t>
+              <a:t>09/05/2019</a:t>
             </a:fld>
             <a:endParaRPr lang="it-IT"/>
           </a:p>
@@ -2142,7 +2143,7 @@
           <a:p>
             <a:fld id="{465CFDFA-CF26-42CF-9DDE-37B2F708C550}" type="datetimeFigureOut">
               <a:rPr lang="it-IT" smtClean="0"/>
-              <a:t>08/05/2019</a:t>
+              <a:t>09/05/2019</a:t>
             </a:fld>
             <a:endParaRPr lang="it-IT"/>
           </a:p>
@@ -2916,7 +2917,7 @@
           <a:p>
             <a:fld id="{465CFDFA-CF26-42CF-9DDE-37B2F708C550}" type="datetimeFigureOut">
               <a:rPr lang="it-IT" smtClean="0"/>
-              <a:t>08/05/2019</a:t>
+              <a:t>09/05/2019</a:t>
             </a:fld>
             <a:endParaRPr lang="it-IT"/>
           </a:p>
@@ -3091,7 +3092,7 @@
           <a:p>
             <a:fld id="{465CFDFA-CF26-42CF-9DDE-37B2F708C550}" type="datetimeFigureOut">
               <a:rPr lang="it-IT" smtClean="0"/>
-              <a:t>08/05/2019</a:t>
+              <a:t>09/05/2019</a:t>
             </a:fld>
             <a:endParaRPr lang="it-IT"/>
           </a:p>
@@ -3314,7 +3315,7 @@
           <a:p>
             <a:fld id="{465CFDFA-CF26-42CF-9DDE-37B2F708C550}" type="datetimeFigureOut">
               <a:rPr lang="it-IT" smtClean="0"/>
-              <a:t>08/05/2019</a:t>
+              <a:t>09/05/2019</a:t>
             </a:fld>
             <a:endParaRPr lang="it-IT"/>
           </a:p>
@@ -3494,7 +3495,7 @@
           <a:p>
             <a:fld id="{465CFDFA-CF26-42CF-9DDE-37B2F708C550}" type="datetimeFigureOut">
               <a:rPr lang="it-IT" smtClean="0"/>
-              <a:t>08/05/2019</a:t>
+              <a:t>09/05/2019</a:t>
             </a:fld>
             <a:endParaRPr lang="it-IT"/>
           </a:p>
@@ -3783,7 +3784,7 @@
           <a:p>
             <a:fld id="{465CFDFA-CF26-42CF-9DDE-37B2F708C550}" type="datetimeFigureOut">
               <a:rPr lang="it-IT" smtClean="0"/>
-              <a:t>08/05/2019</a:t>
+              <a:t>09/05/2019</a:t>
             </a:fld>
             <a:endParaRPr lang="it-IT"/>
           </a:p>
@@ -4025,7 +4026,7 @@
           <a:p>
             <a:fld id="{465CFDFA-CF26-42CF-9DDE-37B2F708C550}" type="datetimeFigureOut">
               <a:rPr lang="it-IT" smtClean="0"/>
-              <a:t>08/05/2019</a:t>
+              <a:t>09/05/2019</a:t>
             </a:fld>
             <a:endParaRPr lang="it-IT"/>
           </a:p>
@@ -4409,7 +4410,7 @@
           <a:p>
             <a:fld id="{465CFDFA-CF26-42CF-9DDE-37B2F708C550}" type="datetimeFigureOut">
               <a:rPr lang="it-IT" smtClean="0"/>
-              <a:t>08/05/2019</a:t>
+              <a:t>09/05/2019</a:t>
             </a:fld>
             <a:endParaRPr lang="it-IT"/>
           </a:p>
@@ -4532,7 +4533,7 @@
           <a:p>
             <a:fld id="{465CFDFA-CF26-42CF-9DDE-37B2F708C550}" type="datetimeFigureOut">
               <a:rPr lang="it-IT" smtClean="0"/>
-              <a:t>08/05/2019</a:t>
+              <a:t>09/05/2019</a:t>
             </a:fld>
             <a:endParaRPr lang="it-IT"/>
           </a:p>
@@ -4627,7 +4628,7 @@
           <a:p>
             <a:fld id="{465CFDFA-CF26-42CF-9DDE-37B2F708C550}" type="datetimeFigureOut">
               <a:rPr lang="it-IT" smtClean="0"/>
-              <a:t>08/05/2019</a:t>
+              <a:t>09/05/2019</a:t>
             </a:fld>
             <a:endParaRPr lang="it-IT"/>
           </a:p>
@@ -4876,7 +4877,7 @@
           <a:p>
             <a:fld id="{465CFDFA-CF26-42CF-9DDE-37B2F708C550}" type="datetimeFigureOut">
               <a:rPr lang="it-IT" smtClean="0"/>
-              <a:t>08/05/2019</a:t>
+              <a:t>09/05/2019</a:t>
             </a:fld>
             <a:endParaRPr lang="it-IT"/>
           </a:p>
@@ -5138,7 +5139,7 @@
           <a:p>
             <a:fld id="{465CFDFA-CF26-42CF-9DDE-37B2F708C550}" type="datetimeFigureOut">
               <a:rPr lang="it-IT" smtClean="0"/>
-              <a:t>08/05/2019</a:t>
+              <a:t>09/05/2019</a:t>
             </a:fld>
             <a:endParaRPr lang="it-IT"/>
           </a:p>
@@ -5381,7 +5382,7 @@
           <a:p>
             <a:fld id="{465CFDFA-CF26-42CF-9DDE-37B2F708C550}" type="datetimeFigureOut">
               <a:rPr lang="it-IT" smtClean="0"/>
-              <a:t>08/05/2019</a:t>
+              <a:t>09/05/2019</a:t>
             </a:fld>
             <a:endParaRPr lang="it-IT"/>
           </a:p>
@@ -6150,197 +6151,6 @@
       </p:grpSpPr>
       <p:sp>
         <p:nvSpPr>
-          <p:cNvPr id="2" name="Titolo 1">
-            <a:extLst>
-              <a:ext uri="{FF2B5EF4-FFF2-40B4-BE49-F238E27FC236}">
-                <a16:creationId xmlns:a16="http://schemas.microsoft.com/office/drawing/2014/main" id="{BA0681D7-7D27-45DC-9762-FFE0BB2BF2ED}"/>
-              </a:ext>
-            </a:extLst>
-          </p:cNvPr>
-          <p:cNvSpPr>
-            <a:spLocks noGrp="1"/>
-          </p:cNvSpPr>
-          <p:nvPr>
-            <p:ph type="title"/>
-          </p:nvPr>
-        </p:nvSpPr>
-        <p:spPr>
-          <a:xfrm>
-            <a:off x="5362552" y="1327924"/>
-            <a:ext cx="6696098" cy="819355"/>
-          </a:xfrm>
-        </p:spPr>
-        <p:txBody>
-          <a:bodyPr>
-            <a:noAutofit/>
-          </a:bodyPr>
-          <a:lstStyle/>
-          <a:p>
-            <a:pPr algn="ctr"/>
-            <a:r>
-              <a:rPr lang="it-IT" sz="5400" dirty="0">
-                <a:solidFill>
-                  <a:srgbClr val="FF0000"/>
-                </a:solidFill>
-                <a:effectLst>
-                  <a:outerShdw blurRad="38100" dist="38100" dir="2700000" algn="tl">
-                    <a:srgbClr val="000000">
-                      <a:alpha val="43137"/>
-                    </a:srgbClr>
-                  </a:outerShdw>
-                </a:effectLst>
-              </a:rPr>
-              <a:t>INDIVIDUAZIONE DEL TREND</a:t>
-            </a:r>
-          </a:p>
-        </p:txBody>
-      </p:sp>
-      <p:sp>
-        <p:nvSpPr>
-          <p:cNvPr id="4" name="Segnaposto testo 3">
-            <a:extLst>
-              <a:ext uri="{FF2B5EF4-FFF2-40B4-BE49-F238E27FC236}">
-                <a16:creationId xmlns:a16="http://schemas.microsoft.com/office/drawing/2014/main" id="{B1AAB8A4-3A9C-44D8-BC50-D839401F5BEA}"/>
-              </a:ext>
-            </a:extLst>
-          </p:cNvPr>
-          <p:cNvSpPr>
-            <a:spLocks noGrp="1"/>
-          </p:cNvSpPr>
-          <p:nvPr>
-            <p:ph type="body" sz="half" idx="2"/>
-          </p:nvPr>
-        </p:nvSpPr>
-        <p:spPr>
-          <a:xfrm>
-            <a:off x="8615351" y="3676650"/>
-            <a:ext cx="2858342" cy="1800225"/>
-          </a:xfrm>
-        </p:spPr>
-        <p:txBody>
-          <a:bodyPr>
-            <a:normAutofit/>
-          </a:bodyPr>
-          <a:lstStyle/>
-          <a:p>
-            <a:r>
-              <a:rPr lang="it-IT" sz="1800" dirty="0"/>
-              <a:t>Disponendo di dati relativi ad un periodo di soli due anni, ci limitiamo a stimare il trend con un </a:t>
-            </a:r>
-            <a:r>
-              <a:rPr lang="it-IT" sz="1800" i="1" dirty="0"/>
-              <a:t>modello lineare</a:t>
-            </a:r>
-            <a:r>
-              <a:rPr lang="it-IT" sz="1800" dirty="0"/>
-              <a:t> di primo ordine. </a:t>
-            </a:r>
-          </a:p>
-        </p:txBody>
-      </p:sp>
-      <p:pic>
-        <p:nvPicPr>
-          <p:cNvPr id="10" name="Immagine 9" descr="Immagine che contiene cielo, barca&#10;&#10;Descrizione generata automaticamente">
-            <a:extLst>
-              <a:ext uri="{FF2B5EF4-FFF2-40B4-BE49-F238E27FC236}">
-                <a16:creationId xmlns:a16="http://schemas.microsoft.com/office/drawing/2014/main" id="{1D9774D9-FEB6-4DE7-B202-01F1A8456177}"/>
-              </a:ext>
-            </a:extLst>
-          </p:cNvPr>
-          <p:cNvPicPr>
-            <a:picLocks noChangeAspect="1"/>
-          </p:cNvPicPr>
-          <p:nvPr/>
-        </p:nvPicPr>
-        <p:blipFill rotWithShape="1">
-          <a:blip r:embed="rId2">
-            <a:extLst>
-              <a:ext uri="{28A0092B-C50C-407E-A947-70E740481C1C}">
-                <a14:useLocalDpi xmlns:a14="http://schemas.microsoft.com/office/drawing/2010/main" val="0"/>
-              </a:ext>
-            </a:extLst>
-          </a:blip>
-          <a:srcRect l="8486" t="2644" r="8432" b="5181"/>
-          <a:stretch/>
-        </p:blipFill>
-        <p:spPr>
-          <a:xfrm>
-            <a:off x="190919" y="2868841"/>
-            <a:ext cx="7686255" cy="3989159"/>
-          </a:xfrm>
-          <a:prstGeom prst="rect">
-            <a:avLst/>
-          </a:prstGeom>
-        </p:spPr>
-      </p:pic>
-      <p:pic>
-        <p:nvPicPr>
-          <p:cNvPr id="12" name="Immagine 11">
-            <a:extLst>
-              <a:ext uri="{FF2B5EF4-FFF2-40B4-BE49-F238E27FC236}">
-                <a16:creationId xmlns:a16="http://schemas.microsoft.com/office/drawing/2014/main" id="{7B45FFB2-E6E4-4ECD-B7D2-F3C2EC4C3FA3}"/>
-              </a:ext>
-            </a:extLst>
-          </p:cNvPr>
-          <p:cNvPicPr>
-            <a:picLocks noChangeAspect="1"/>
-          </p:cNvPicPr>
-          <p:nvPr/>
-        </p:nvPicPr>
-        <p:blipFill>
-          <a:blip r:embed="rId3">
-            <a:extLst>
-              <a:ext uri="{28A0092B-C50C-407E-A947-70E740481C1C}">
-                <a14:useLocalDpi xmlns:a14="http://schemas.microsoft.com/office/drawing/2010/main" val="0"/>
-              </a:ext>
-            </a:extLst>
-          </a:blip>
-          <a:stretch>
-            <a:fillRect/>
-          </a:stretch>
-        </p:blipFill>
-        <p:spPr>
-          <a:xfrm>
-            <a:off x="418677" y="1425718"/>
-            <a:ext cx="5124873" cy="1493074"/>
-          </a:xfrm>
-          <a:prstGeom prst="rect">
-            <a:avLst/>
-          </a:prstGeom>
-        </p:spPr>
-      </p:pic>
-    </p:spTree>
-    <p:extLst>
-      <p:ext uri="{BB962C8B-B14F-4D97-AF65-F5344CB8AC3E}">
-        <p14:creationId xmlns:p14="http://schemas.microsoft.com/office/powerpoint/2010/main" val="2531063507"/>
-      </p:ext>
-    </p:extLst>
-  </p:cSld>
-  <p:clrMapOvr>
-    <a:masterClrMapping/>
-  </p:clrMapOvr>
-</p:sld>
-</file>
-
-<file path=ppt/slides/slide11.xml><?xml version="1.0" encoding="utf-8"?>
-<p:sld xmlns:a="http://schemas.openxmlformats.org/drawingml/2006/main" xmlns:r="http://schemas.openxmlformats.org/officeDocument/2006/relationships" xmlns:p="http://schemas.openxmlformats.org/presentationml/2006/main">
-  <p:cSld>
-    <p:spTree>
-      <p:nvGrpSpPr>
-        <p:cNvPr id="1" name=""/>
-        <p:cNvGrpSpPr/>
-        <p:nvPr/>
-      </p:nvGrpSpPr>
-      <p:grpSpPr>
-        <a:xfrm>
-          <a:off x="0" y="0"/>
-          <a:ext cx="0" cy="0"/>
-          <a:chOff x="0" y="0"/>
-          <a:chExt cx="0" cy="0"/>
-        </a:xfrm>
-      </p:grpSpPr>
-      <p:sp>
-        <p:nvSpPr>
           <p:cNvPr id="10" name="CasellaDiTesto 9">
             <a:extLst>
               <a:ext uri="{FF2B5EF4-FFF2-40B4-BE49-F238E27FC236}">
@@ -6558,6 +6368,145 @@
 </p:sld>
 </file>
 
+<file path=ppt/slides/slide11.xml><?xml version="1.0" encoding="utf-8"?>
+<p:sld xmlns:a="http://schemas.openxmlformats.org/drawingml/2006/main" xmlns:r="http://schemas.openxmlformats.org/officeDocument/2006/relationships" xmlns:p="http://schemas.openxmlformats.org/presentationml/2006/main">
+  <p:cSld>
+    <p:spTree>
+      <p:nvGrpSpPr>
+        <p:cNvPr id="1" name=""/>
+        <p:cNvGrpSpPr/>
+        <p:nvPr/>
+      </p:nvGrpSpPr>
+      <p:grpSpPr>
+        <a:xfrm>
+          <a:off x="0" y="0"/>
+          <a:ext cx="0" cy="0"/>
+          <a:chOff x="0" y="0"/>
+          <a:chExt cx="0" cy="0"/>
+        </a:xfrm>
+      </p:grpSpPr>
+      <p:sp>
+        <p:nvSpPr>
+          <p:cNvPr id="2" name="Titolo 1">
+            <a:extLst>
+              <a:ext uri="{FF2B5EF4-FFF2-40B4-BE49-F238E27FC236}">
+                <a16:creationId xmlns:a16="http://schemas.microsoft.com/office/drawing/2014/main" id="{515BD050-1514-40F9-8127-866B1775A26E}"/>
+              </a:ext>
+            </a:extLst>
+          </p:cNvPr>
+          <p:cNvSpPr>
+            <a:spLocks noGrp="1"/>
+          </p:cNvSpPr>
+          <p:nvPr>
+            <p:ph type="title"/>
+          </p:nvPr>
+        </p:nvSpPr>
+        <p:spPr>
+          <a:xfrm>
+            <a:off x="1024495" y="1124702"/>
+            <a:ext cx="10146186" cy="1132724"/>
+          </a:xfrm>
+        </p:spPr>
+        <p:txBody>
+          <a:bodyPr/>
+          <a:lstStyle/>
+          <a:p>
+            <a:r>
+              <a:rPr lang="it-IT" dirty="0">
+                <a:effectLst>
+                  <a:outerShdw blurRad="38100" dist="38100" dir="2700000" algn="tl">
+                    <a:srgbClr val="000000">
+                      <a:alpha val="43137"/>
+                    </a:srgbClr>
+                  </a:outerShdw>
+                </a:effectLst>
+              </a:rPr>
+              <a:t>Secondo approccio: </a:t>
+            </a:r>
+            <a:br>
+              <a:rPr lang="it-IT" dirty="0">
+                <a:effectLst>
+                  <a:outerShdw blurRad="38100" dist="38100" dir="2700000" algn="tl">
+                    <a:srgbClr val="000000">
+                      <a:alpha val="43137"/>
+                    </a:srgbClr>
+                  </a:outerShdw>
+                </a:effectLst>
+              </a:rPr>
+            </a:br>
+            <a:r>
+              <a:rPr lang="it-IT" dirty="0">
+                <a:effectLst>
+                  <a:outerShdw blurRad="38100" dist="38100" dir="2700000" algn="tl">
+                    <a:srgbClr val="000000">
+                      <a:alpha val="43137"/>
+                    </a:srgbClr>
+                  </a:outerShdw>
+                </a:effectLst>
+              </a:rPr>
+              <a:t>modelli di fourier</a:t>
+            </a:r>
+          </a:p>
+        </p:txBody>
+      </p:sp>
+      <p:sp>
+        <p:nvSpPr>
+          <p:cNvPr id="3" name="Segnaposto testo 2">
+            <a:extLst>
+              <a:ext uri="{FF2B5EF4-FFF2-40B4-BE49-F238E27FC236}">
+                <a16:creationId xmlns:a16="http://schemas.microsoft.com/office/drawing/2014/main" id="{4FA62588-010E-4BEF-A676-A9282244CC6C}"/>
+              </a:ext>
+            </a:extLst>
+          </p:cNvPr>
+          <p:cNvSpPr>
+            <a:spLocks noGrp="1"/>
+          </p:cNvSpPr>
+          <p:nvPr>
+            <p:ph type="body" sz="half" idx="2"/>
+          </p:nvPr>
+        </p:nvSpPr>
+        <p:spPr>
+          <a:xfrm>
+            <a:off x="1022935" y="2610090"/>
+            <a:ext cx="10144654" cy="999885"/>
+          </a:xfrm>
+        </p:spPr>
+        <p:txBody>
+          <a:bodyPr>
+            <a:normAutofit fontScale="92500" lnSpcReduction="20000"/>
+          </a:bodyPr>
+          <a:lstStyle/>
+          <a:p>
+            <a:r>
+              <a:rPr lang="it-IT" sz="2400" dirty="0"/>
+              <a:t>I modelli polinomiali sembrano non seguire in maniera efficace gli andamenti periodici dei consumi. </a:t>
+            </a:r>
+          </a:p>
+          <a:p>
+            <a:r>
+              <a:rPr lang="it-IT" sz="2400" dirty="0"/>
+              <a:t>Si passa quindi a considerare modelli basati sulle </a:t>
+            </a:r>
+            <a:r>
+              <a:rPr lang="it-IT" sz="2400" i="1" dirty="0"/>
+              <a:t>serie di Fourier.  </a:t>
+            </a:r>
+          </a:p>
+        </p:txBody>
+      </p:sp>
+    </p:spTree>
+    <p:extLst>
+      <p:ext uri="{BB962C8B-B14F-4D97-AF65-F5344CB8AC3E}">
+        <p14:creationId xmlns:p14="http://schemas.microsoft.com/office/powerpoint/2010/main" val="3116086154"/>
+      </p:ext>
+    </p:extLst>
+  </p:cSld>
+  <p:clrMapOvr>
+    <a:masterClrMapping/>
+  </p:clrMapOvr>
+</p:sld>
+</file>
+
 <file path=ppt/slides/slide12.xml><?xml version="1.0" encoding="utf-8"?>
 <p:sld xmlns:a="http://schemas.openxmlformats.org/drawingml/2006/main" xmlns:r="http://schemas.openxmlformats.org/officeDocument/2006/relationships" xmlns:p="http://schemas.openxmlformats.org/presentationml/2006/main">
   <p:cSld>
@@ -6580,7 +6529,7 @@
           <p:cNvPr id="2" name="Titolo 1">
             <a:extLst>
               <a:ext uri="{FF2B5EF4-FFF2-40B4-BE49-F238E27FC236}">
-                <a16:creationId xmlns:a16="http://schemas.microsoft.com/office/drawing/2014/main" id="{515BD050-1514-40F9-8127-866B1775A26E}"/>
+                <a16:creationId xmlns:a16="http://schemas.microsoft.com/office/drawing/2014/main" id="{7E4500B8-8FCC-4C9F-8F33-70E6130EA91C}"/>
               </a:ext>
             </a:extLst>
           </p:cNvPr>
@@ -6593,69 +6542,143 @@
         </p:nvSpPr>
         <p:spPr>
           <a:xfrm>
-            <a:off x="1024495" y="1124702"/>
-            <a:ext cx="10146186" cy="1132724"/>
-          </a:xfrm>
-        </p:spPr>
-        <p:txBody>
-          <a:bodyPr/>
+            <a:off x="4105275" y="430134"/>
+            <a:ext cx="7429500" cy="1325563"/>
+          </a:xfrm>
+        </p:spPr>
+        <p:txBody>
+          <a:bodyPr>
+            <a:normAutofit/>
+          </a:bodyPr>
           <a:lstStyle/>
           <a:p>
             <a:r>
-              <a:rPr lang="it-IT" dirty="0"/>
-              <a:t>Secondo approccio: </a:t>
-            </a:r>
-            <a:br>
-              <a:rPr lang="it-IT" dirty="0"/>
-            </a:br>
-            <a:r>
-              <a:rPr lang="it-IT" dirty="0"/>
-              <a:t>modelli di fourier</a:t>
-            </a:r>
-          </a:p>
-        </p:txBody>
-      </p:sp>
-      <p:sp>
-        <p:nvSpPr>
-          <p:cNvPr id="3" name="Segnaposto testo 2">
+              <a:rPr lang="it-IT" sz="5400" dirty="0">
+                <a:solidFill>
+                  <a:srgbClr val="FF0000"/>
+                </a:solidFill>
+                <a:effectLst>
+                  <a:outerShdw blurRad="38100" dist="38100" dir="2700000" algn="tl">
+                    <a:srgbClr val="000000">
+                      <a:alpha val="43137"/>
+                    </a:srgbClr>
+                  </a:outerShdw>
+                </a:effectLst>
+              </a:rPr>
+              <a:t>Modello di Fourier</a:t>
+            </a:r>
+          </a:p>
+        </p:txBody>
+      </p:sp>
+      <p:pic>
+        <p:nvPicPr>
+          <p:cNvPr id="6" name="Segnaposto contenuto 5" descr="Immagine che contiene testo&#10;&#10;Descrizione generata automaticamente">
             <a:extLst>
               <a:ext uri="{FF2B5EF4-FFF2-40B4-BE49-F238E27FC236}">
-                <a16:creationId xmlns:a16="http://schemas.microsoft.com/office/drawing/2014/main" id="{4FA62588-010E-4BEF-A676-A9282244CC6C}"/>
+                <a16:creationId xmlns:a16="http://schemas.microsoft.com/office/drawing/2014/main" id="{61EDB7BC-76CA-4DFB-BA94-6C1B88862FF8}"/>
               </a:ext>
             </a:extLst>
           </p:cNvPr>
-          <p:cNvSpPr>
-            <a:spLocks noGrp="1"/>
-          </p:cNvSpPr>
-          <p:nvPr>
-            <p:ph type="body" sz="half" idx="2"/>
-          </p:nvPr>
-        </p:nvSpPr>
-        <p:spPr>
-          <a:xfrm>
-            <a:off x="1022935" y="2610090"/>
-            <a:ext cx="10144654" cy="999885"/>
-          </a:xfrm>
-        </p:spPr>
-        <p:txBody>
-          <a:bodyPr>
-            <a:normAutofit fontScale="92500" lnSpcReduction="20000"/>
+          <p:cNvPicPr>
+            <a:picLocks noGrp="1" noChangeAspect="1"/>
+          </p:cNvPicPr>
+          <p:nvPr>
+            <p:ph idx="1"/>
+          </p:nvPr>
+        </p:nvPicPr>
+        <p:blipFill>
+          <a:blip r:embed="rId2">
+            <a:extLst>
+              <a:ext uri="{28A0092B-C50C-407E-A947-70E740481C1C}">
+                <a14:useLocalDpi xmlns:a14="http://schemas.microsoft.com/office/drawing/2010/main" val="0"/>
+              </a:ext>
+            </a:extLst>
+          </a:blip>
+          <a:stretch>
+            <a:fillRect/>
+          </a:stretch>
+        </p:blipFill>
+        <p:spPr>
+          <a:xfrm>
+            <a:off x="1870710" y="2897780"/>
+            <a:ext cx="8626511" cy="3501851"/>
+          </a:xfrm>
+        </p:spPr>
+      </p:pic>
+      <p:sp>
+        <p:nvSpPr>
+          <p:cNvPr id="9" name="CasellaDiTesto 8">
+            <a:extLst>
+              <a:ext uri="{FF2B5EF4-FFF2-40B4-BE49-F238E27FC236}">
+                <a16:creationId xmlns:a16="http://schemas.microsoft.com/office/drawing/2014/main" id="{BDF007F6-7CE7-494A-8875-DA8B711E55FA}"/>
+              </a:ext>
+            </a:extLst>
+          </p:cNvPr>
+          <p:cNvSpPr txBox="1"/>
+          <p:nvPr/>
+        </p:nvSpPr>
+        <p:spPr>
+          <a:xfrm>
+            <a:off x="152400" y="2175478"/>
+            <a:ext cx="6210972" cy="369332"/>
+          </a:xfrm>
+          <a:prstGeom prst="rect">
+            <a:avLst/>
+          </a:prstGeom>
+          <a:noFill/>
+        </p:spPr>
+        <p:txBody>
+          <a:bodyPr wrap="square" rtlCol="0">
+            <a:spAutoFit/>
           </a:bodyPr>
           <a:lstStyle/>
           <a:p>
             <a:r>
-              <a:rPr lang="it-IT" sz="2400" dirty="0"/>
-              <a:t>I modelli polinomiali sembrano non seguire in maniera efficace gli andamenti periodici dei consumi. </a:t>
-            </a:r>
-          </a:p>
-          <a:p>
-            <a:r>
-              <a:rPr lang="it-IT" sz="2400" dirty="0"/>
-              <a:t>Si passa quindi a considerare modelli basati sulle </a:t>
-            </a:r>
-            <a:r>
-              <a:rPr lang="it-IT" sz="2400" i="1" dirty="0"/>
-              <a:t>serie di Fourier.  </a:t>
+              <a:rPr lang="it-IT" b="1" i="1" dirty="0">
+                <a:effectLst>
+                  <a:outerShdw blurRad="38100" dist="38100" dir="2700000" algn="tl">
+                    <a:srgbClr val="000000">
+                      <a:alpha val="43137"/>
+                    </a:srgbClr>
+                  </a:outerShdw>
+                </a:effectLst>
+              </a:rPr>
+              <a:t>8 armoniche per le ore, 7 armoniche per i giorni</a:t>
+            </a:r>
+          </a:p>
+        </p:txBody>
+      </p:sp>
+      <p:sp>
+        <p:nvSpPr>
+          <p:cNvPr id="12" name="CasellaDiTesto 11">
+            <a:extLst>
+              <a:ext uri="{FF2B5EF4-FFF2-40B4-BE49-F238E27FC236}">
+                <a16:creationId xmlns:a16="http://schemas.microsoft.com/office/drawing/2014/main" id="{9958C6CB-2556-4183-AB06-B7E6C88E8F8B}"/>
+              </a:ext>
+            </a:extLst>
+          </p:cNvPr>
+          <p:cNvSpPr txBox="1"/>
+          <p:nvPr/>
+        </p:nvSpPr>
+        <p:spPr>
+          <a:xfrm>
+            <a:off x="152400" y="1529147"/>
+            <a:ext cx="11382375" cy="646331"/>
+          </a:xfrm>
+          <a:prstGeom prst="rect">
+            <a:avLst/>
+          </a:prstGeom>
+          <a:noFill/>
+        </p:spPr>
+        <p:txBody>
+          <a:bodyPr wrap="square" rtlCol="0">
+            <a:spAutoFit/>
+          </a:bodyPr>
+          <a:lstStyle/>
+          <a:p>
+            <a:r>
+              <a:rPr lang="it-IT" dirty="0"/>
+              <a:t>Dopo aver minimizzato il valore degli ssr di validazione al variare del numero di armoniche, il numero ottimo di armoniche risulta:</a:t>
             </a:r>
           </a:p>
         </p:txBody>
@@ -6663,7 +6686,7 @@
     </p:spTree>
     <p:extLst>
       <p:ext uri="{BB962C8B-B14F-4D97-AF65-F5344CB8AC3E}">
-        <p14:creationId xmlns:p14="http://schemas.microsoft.com/office/powerpoint/2010/main" val="3116086154"/>
+        <p14:creationId xmlns:p14="http://schemas.microsoft.com/office/powerpoint/2010/main" val="3254392462"/>
       </p:ext>
     </p:extLst>
   </p:cSld>
@@ -6692,10 +6715,10 @@
       </p:grpSpPr>
       <p:sp>
         <p:nvSpPr>
-          <p:cNvPr id="2" name="Titolo 1">
+          <p:cNvPr id="3" name="Segnaposto testo 2">
             <a:extLst>
               <a:ext uri="{FF2B5EF4-FFF2-40B4-BE49-F238E27FC236}">
-                <a16:creationId xmlns:a16="http://schemas.microsoft.com/office/drawing/2014/main" id="{7E4500B8-8FCC-4C9F-8F33-70E6130EA91C}"/>
+                <a16:creationId xmlns:a16="http://schemas.microsoft.com/office/drawing/2014/main" id="{3AB5D8F0-BCA3-4608-9E22-45C68989C27E}"/>
               </a:ext>
             </a:extLst>
           </p:cNvPr>
@@ -6703,23 +6726,48 @@
             <a:spLocks noGrp="1"/>
           </p:cNvSpPr>
           <p:nvPr>
-            <p:ph type="title"/>
-          </p:nvPr>
-        </p:nvSpPr>
-        <p:spPr>
-          <a:xfrm>
-            <a:off x="4105275" y="430134"/>
-            <a:ext cx="7429500" cy="1325563"/>
-          </a:xfrm>
-        </p:spPr>
-        <p:txBody>
-          <a:bodyPr>
-            <a:normAutofit/>
+            <p:ph type="body" sz="half" idx="2"/>
+          </p:nvPr>
+        </p:nvSpPr>
+        <p:spPr/>
+        <p:txBody>
+          <a:bodyPr/>
+          <a:lstStyle/>
+          <a:p>
+            <a:endParaRPr lang="it-IT"/>
+          </a:p>
+        </p:txBody>
+      </p:sp>
+      <p:sp>
+        <p:nvSpPr>
+          <p:cNvPr id="5" name="CasellaDiTesto 4">
+            <a:extLst>
+              <a:ext uri="{FF2B5EF4-FFF2-40B4-BE49-F238E27FC236}">
+                <a16:creationId xmlns:a16="http://schemas.microsoft.com/office/drawing/2014/main" id="{5A0FA544-2CD7-4375-82A0-F26D4289AB7D}"/>
+              </a:ext>
+            </a:extLst>
+          </p:cNvPr>
+          <p:cNvSpPr txBox="1"/>
+          <p:nvPr/>
+        </p:nvSpPr>
+        <p:spPr>
+          <a:xfrm>
+            <a:off x="2581276" y="161925"/>
+            <a:ext cx="7696200" cy="707886"/>
+          </a:xfrm>
+          <a:prstGeom prst="rect">
+            <a:avLst/>
+          </a:prstGeom>
+          <a:noFill/>
+        </p:spPr>
+        <p:txBody>
+          <a:bodyPr wrap="square" rtlCol="0">
+            <a:spAutoFit/>
           </a:bodyPr>
           <a:lstStyle/>
           <a:p>
             <a:r>
-              <a:rPr lang="it-IT" sz="5400" dirty="0">
+              <a:rPr lang="it-IT" sz="4000" dirty="0">
                 <a:solidFill>
                   <a:srgbClr val="FF0000"/>
                 </a:solidFill>
@@ -6731,28 +6779,38 @@
                   </a:outerShdw>
                 </a:effectLst>
               </a:rPr>
-              <a:t>Modello di Fourier</a:t>
-            </a:r>
+              <a:t>PLOT MODELLO DI FOURIER</a:t>
+            </a:r>
+            <a:endParaRPr lang="it-IT" sz="4000" b="1" dirty="0">
+              <a:solidFill>
+                <a:srgbClr val="FF0000"/>
+              </a:solidFill>
+              <a:effectLst>
+                <a:outerShdw blurRad="38100" dist="38100" dir="2700000" algn="tl">
+                  <a:srgbClr val="000000">
+                    <a:alpha val="43137"/>
+                  </a:srgbClr>
+                </a:outerShdw>
+              </a:effectLst>
+            </a:endParaRPr>
           </a:p>
         </p:txBody>
       </p:sp>
       <p:pic>
         <p:nvPicPr>
-          <p:cNvPr id="6" name="Segnaposto contenuto 5" descr="Immagine che contiene testo&#10;&#10;Descrizione generata automaticamente">
+          <p:cNvPr id="6" name="Immagine 5">
             <a:extLst>
               <a:ext uri="{FF2B5EF4-FFF2-40B4-BE49-F238E27FC236}">
-                <a16:creationId xmlns:a16="http://schemas.microsoft.com/office/drawing/2014/main" id="{61EDB7BC-76CA-4DFB-BA94-6C1B88862FF8}"/>
+                <a16:creationId xmlns:a16="http://schemas.microsoft.com/office/drawing/2014/main" id="{9A429DEA-7BAA-4292-9C80-9E1317739BD0}"/>
               </a:ext>
             </a:extLst>
           </p:cNvPr>
           <p:cNvPicPr>
-            <a:picLocks noGrp="1" noChangeAspect="1"/>
+            <a:picLocks noChangeAspect="1"/>
           </p:cNvPicPr>
-          <p:nvPr>
-            <p:ph idx="1"/>
-          </p:nvPr>
+          <p:nvPr/>
         </p:nvPicPr>
-        <p:blipFill>
+        <p:blipFill rotWithShape="1">
           <a:blip r:embed="rId2">
             <a:extLst>
               <a:ext uri="{28A0092B-C50C-407E-A947-70E740481C1C}">
@@ -6760,99 +6818,23 @@
               </a:ext>
             </a:extLst>
           </a:blip>
-          <a:stretch>
-            <a:fillRect/>
-          </a:stretch>
+          <a:srcRect l="6125" t="6641" r="5241"/>
+          <a:stretch/>
         </p:blipFill>
         <p:spPr>
           <a:xfrm>
-            <a:off x="1870710" y="2897780"/>
-            <a:ext cx="8626511" cy="3501851"/>
-          </a:xfrm>
-        </p:spPr>
-      </p:pic>
-      <p:sp>
-        <p:nvSpPr>
-          <p:cNvPr id="9" name="CasellaDiTesto 8">
-            <a:extLst>
-              <a:ext uri="{FF2B5EF4-FFF2-40B4-BE49-F238E27FC236}">
-                <a16:creationId xmlns:a16="http://schemas.microsoft.com/office/drawing/2014/main" id="{BDF007F6-7CE7-494A-8875-DA8B711E55FA}"/>
-              </a:ext>
-            </a:extLst>
-          </p:cNvPr>
-          <p:cNvSpPr txBox="1"/>
-          <p:nvPr/>
-        </p:nvSpPr>
-        <p:spPr>
-          <a:xfrm>
-            <a:off x="152400" y="2175478"/>
-            <a:ext cx="6210972" cy="369332"/>
+            <a:off x="1" y="855261"/>
+            <a:ext cx="12192000" cy="6002739"/>
           </a:xfrm>
           <a:prstGeom prst="rect">
             <a:avLst/>
           </a:prstGeom>
-          <a:noFill/>
-        </p:spPr>
-        <p:txBody>
-          <a:bodyPr wrap="square" rtlCol="0">
-            <a:spAutoFit/>
-          </a:bodyPr>
-          <a:lstStyle/>
-          <a:p>
-            <a:r>
-              <a:rPr lang="it-IT" b="1" i="1" dirty="0">
-                <a:effectLst>
-                  <a:outerShdw blurRad="38100" dist="38100" dir="2700000" algn="tl">
-                    <a:srgbClr val="000000">
-                      <a:alpha val="43137"/>
-                    </a:srgbClr>
-                  </a:outerShdw>
-                </a:effectLst>
-              </a:rPr>
-              <a:t>8 armoniche per le ore, 7 armoniche per i giorni</a:t>
-            </a:r>
-          </a:p>
-        </p:txBody>
-      </p:sp>
-      <p:sp>
-        <p:nvSpPr>
-          <p:cNvPr id="12" name="CasellaDiTesto 11">
-            <a:extLst>
-              <a:ext uri="{FF2B5EF4-FFF2-40B4-BE49-F238E27FC236}">
-                <a16:creationId xmlns:a16="http://schemas.microsoft.com/office/drawing/2014/main" id="{9958C6CB-2556-4183-AB06-B7E6C88E8F8B}"/>
-              </a:ext>
-            </a:extLst>
-          </p:cNvPr>
-          <p:cNvSpPr txBox="1"/>
-          <p:nvPr/>
-        </p:nvSpPr>
-        <p:spPr>
-          <a:xfrm>
-            <a:off x="152400" y="1529147"/>
-            <a:ext cx="11382375" cy="646331"/>
-          </a:xfrm>
-          <a:prstGeom prst="rect">
-            <a:avLst/>
-          </a:prstGeom>
-          <a:noFill/>
-        </p:spPr>
-        <p:txBody>
-          <a:bodyPr wrap="square" rtlCol="0">
-            <a:spAutoFit/>
-          </a:bodyPr>
-          <a:lstStyle/>
-          <a:p>
-            <a:r>
-              <a:rPr lang="it-IT" dirty="0"/>
-              <a:t>Dopo aver minimizzato il valore degli ssr di validazione al variare del numero di armoniche, il numero ottimo di armoniche risulta:</a:t>
-            </a:r>
-          </a:p>
-        </p:txBody>
-      </p:sp>
+        </p:spPr>
+      </p:pic>
     </p:spTree>
     <p:extLst>
       <p:ext uri="{BB962C8B-B14F-4D97-AF65-F5344CB8AC3E}">
-        <p14:creationId xmlns:p14="http://schemas.microsoft.com/office/powerpoint/2010/main" val="3254392462"/>
+        <p14:creationId xmlns:p14="http://schemas.microsoft.com/office/powerpoint/2010/main" val="111020541"/>
       </p:ext>
     </p:extLst>
   </p:cSld>
@@ -6881,10 +6863,76 @@
       </p:grpSpPr>
       <p:sp>
         <p:nvSpPr>
+          <p:cNvPr id="2" name="Titolo 1">
+            <a:extLst>
+              <a:ext uri="{FF2B5EF4-FFF2-40B4-BE49-F238E27FC236}">
+                <a16:creationId xmlns:a16="http://schemas.microsoft.com/office/drawing/2014/main" id="{26DF1A97-D3F5-4022-BEE0-23C1A187458B}"/>
+              </a:ext>
+            </a:extLst>
+          </p:cNvPr>
+          <p:cNvSpPr>
+            <a:spLocks noGrp="1"/>
+          </p:cNvSpPr>
+          <p:nvPr>
+            <p:ph type="title"/>
+          </p:nvPr>
+        </p:nvSpPr>
+        <p:spPr>
+          <a:xfrm>
+            <a:off x="685800" y="347870"/>
+            <a:ext cx="10820400" cy="1898742"/>
+          </a:xfrm>
+        </p:spPr>
+        <p:txBody>
+          <a:bodyPr>
+            <a:normAutofit/>
+          </a:bodyPr>
+          <a:lstStyle/>
+          <a:p>
+            <a:r>
+              <a:rPr lang="it-IT" sz="4400" dirty="0">
+                <a:effectLst>
+                  <a:outerShdw blurRad="38100" dist="38100" dir="2700000" algn="tl">
+                    <a:srgbClr val="000000">
+                      <a:alpha val="43137"/>
+                    </a:srgbClr>
+                  </a:outerShdw>
+                </a:effectLst>
+              </a:rPr>
+              <a:t>Terzo approccio: </a:t>
+            </a:r>
+            <a:br>
+              <a:rPr lang="it-IT" sz="4400" dirty="0">
+                <a:effectLst>
+                  <a:outerShdw blurRad="38100" dist="38100" dir="2700000" algn="tl">
+                    <a:srgbClr val="000000">
+                      <a:alpha val="43137"/>
+                    </a:srgbClr>
+                  </a:outerShdw>
+                </a:effectLst>
+              </a:rPr>
+            </a:br>
+            <a:r>
+              <a:rPr lang="it-IT" sz="4400" dirty="0">
+                <a:effectLst>
+                  <a:outerShdw blurRad="38100" dist="38100" dir="2700000" algn="tl">
+                    <a:srgbClr val="000000">
+                      <a:alpha val="43137"/>
+                    </a:srgbClr>
+                  </a:outerShdw>
+                </a:effectLst>
+              </a:rPr>
+              <a:t>somma di modelli</a:t>
+            </a:r>
+          </a:p>
+        </p:txBody>
+      </p:sp>
+      <p:sp>
+        <p:nvSpPr>
           <p:cNvPr id="3" name="Segnaposto testo 2">
             <a:extLst>
               <a:ext uri="{FF2B5EF4-FFF2-40B4-BE49-F238E27FC236}">
-                <a16:creationId xmlns:a16="http://schemas.microsoft.com/office/drawing/2014/main" id="{3AB5D8F0-BCA3-4608-9E22-45C68989C27E}"/>
+                <a16:creationId xmlns:a16="http://schemas.microsoft.com/office/drawing/2014/main" id="{7230869E-87E0-4453-B753-82170F038113}"/>
               </a:ext>
             </a:extLst>
           </p:cNvPr>
@@ -6895,47 +6943,37 @@
             <p:ph type="body" sz="half" idx="2"/>
           </p:nvPr>
         </p:nvSpPr>
-        <p:spPr/>
-        <p:txBody>
-          <a:bodyPr/>
-          <a:lstStyle/>
-          <a:p>
-            <a:endParaRPr lang="it-IT"/>
-          </a:p>
-        </p:txBody>
-      </p:sp>
-      <p:sp>
-        <p:nvSpPr>
-          <p:cNvPr id="5" name="CasellaDiTesto 4">
-            <a:extLst>
-              <a:ext uri="{FF2B5EF4-FFF2-40B4-BE49-F238E27FC236}">
-                <a16:creationId xmlns:a16="http://schemas.microsoft.com/office/drawing/2014/main" id="{5A0FA544-2CD7-4375-82A0-F26D4289AB7D}"/>
-              </a:ext>
-            </a:extLst>
-          </p:cNvPr>
-          <p:cNvSpPr txBox="1"/>
-          <p:nvPr/>
-        </p:nvSpPr>
-        <p:spPr>
-          <a:xfrm>
-            <a:off x="2581276" y="161925"/>
-            <a:ext cx="7696200" cy="707886"/>
-          </a:xfrm>
-          <a:prstGeom prst="rect">
-            <a:avLst/>
-          </a:prstGeom>
-          <a:noFill/>
-        </p:spPr>
-        <p:txBody>
-          <a:bodyPr wrap="square" rtlCol="0">
-            <a:spAutoFit/>
+        <p:spPr>
+          <a:xfrm>
+            <a:off x="685800" y="1918252"/>
+            <a:ext cx="10130516" cy="2802467"/>
+          </a:xfrm>
+        </p:spPr>
+        <p:txBody>
+          <a:bodyPr>
+            <a:noAutofit/>
           </a:bodyPr>
           <a:lstStyle/>
           <a:p>
             <a:r>
-              <a:rPr lang="it-IT" sz="4000" dirty="0">
+              <a:rPr lang="it-IT" sz="2000" dirty="0"/>
+              <a:t>Abbiamo considerato un modello per l’andamento dei consumi durante le 24 ore della giornata ed uno per l’andamento dei consumi durante le 52 domeniche dell’anno.</a:t>
+            </a:r>
+            <a:br>
+              <a:rPr lang="it-IT" sz="2000" dirty="0"/>
+            </a:br>
+            <a:r>
+              <a:rPr lang="it-IT" sz="2000" dirty="0"/>
+              <a:t>Il modello complessivo è ottenuto sommando questi ed aggiungendo il trend previsto.</a:t>
+            </a:r>
+          </a:p>
+          <a:p>
+            <a:r>
+              <a:rPr lang="it-IT" sz="2000" dirty="0">
                 <a:solidFill>
-                  <a:srgbClr val="FF0000"/>
+                  <a:schemeClr val="accent6">
+                    <a:lumMod val="75000"/>
+                  </a:schemeClr>
                 </a:solidFill>
                 <a:effectLst>
                   <a:outerShdw blurRad="38100" dist="38100" dir="2700000" algn="tl">
@@ -6945,62 +6983,22 @@
                   </a:outerShdw>
                 </a:effectLst>
               </a:rPr>
-              <a:t>PLOT MODELLO DI FOURIER</a:t>
-            </a:r>
-            <a:endParaRPr lang="it-IT" sz="4000" b="1" dirty="0">
-              <a:solidFill>
-                <a:srgbClr val="FF0000"/>
-              </a:solidFill>
-              <a:effectLst>
-                <a:outerShdw blurRad="38100" dist="38100" dir="2700000" algn="tl">
-                  <a:srgbClr val="000000">
-                    <a:alpha val="43137"/>
-                  </a:srgbClr>
-                </a:outerShdw>
-              </a:effectLst>
-            </a:endParaRPr>
-          </a:p>
-        </p:txBody>
-      </p:sp>
-      <p:pic>
-        <p:nvPicPr>
-          <p:cNvPr id="6" name="Immagine 5">
-            <a:extLst>
-              <a:ext uri="{FF2B5EF4-FFF2-40B4-BE49-F238E27FC236}">
-                <a16:creationId xmlns:a16="http://schemas.microsoft.com/office/drawing/2014/main" id="{9A429DEA-7BAA-4292-9C80-9E1317739BD0}"/>
-              </a:ext>
-            </a:extLst>
-          </p:cNvPr>
-          <p:cNvPicPr>
-            <a:picLocks noChangeAspect="1"/>
-          </p:cNvPicPr>
-          <p:nvPr/>
-        </p:nvPicPr>
-        <p:blipFill rotWithShape="1">
-          <a:blip r:embed="rId2">
-            <a:extLst>
-              <a:ext uri="{28A0092B-C50C-407E-A947-70E740481C1C}">
-                <a14:useLocalDpi xmlns:a14="http://schemas.microsoft.com/office/drawing/2010/main" val="0"/>
-              </a:ext>
-            </a:extLst>
-          </a:blip>
-          <a:srcRect l="6125" t="6641" r="5241"/>
-          <a:stretch/>
-        </p:blipFill>
-        <p:spPr>
-          <a:xfrm>
-            <a:off x="1" y="855261"/>
-            <a:ext cx="12192000" cy="6002739"/>
-          </a:xfrm>
-          <a:prstGeom prst="rect">
-            <a:avLst/>
-          </a:prstGeom>
-        </p:spPr>
-      </p:pic>
+              <a:t>RISULTATO</a:t>
+            </a:r>
+            <a:br>
+              <a:rPr lang="it-IT" sz="2000" dirty="0"/>
+            </a:br>
+            <a:r>
+              <a:rPr lang="it-IT" sz="2000" dirty="0"/>
+              <a:t>L’ssr di validazione ottenuto con questo modello è migliore solo del 3% rispetto al modello di Fourier</a:t>
+            </a:r>
+          </a:p>
+        </p:txBody>
+      </p:sp>
     </p:spTree>
     <p:extLst>
       <p:ext uri="{BB962C8B-B14F-4D97-AF65-F5344CB8AC3E}">
-        <p14:creationId xmlns:p14="http://schemas.microsoft.com/office/powerpoint/2010/main" val="111020541"/>
+        <p14:creationId xmlns:p14="http://schemas.microsoft.com/office/powerpoint/2010/main" val="1032775810"/>
       </p:ext>
     </p:extLst>
   </p:cSld>
@@ -7029,112 +7027,106 @@
       </p:grpSpPr>
       <p:sp>
         <p:nvSpPr>
-          <p:cNvPr id="2" name="Titolo 1">
+          <p:cNvPr id="6" name="CasellaDiTesto 5">
             <a:extLst>
               <a:ext uri="{FF2B5EF4-FFF2-40B4-BE49-F238E27FC236}">
-                <a16:creationId xmlns:a16="http://schemas.microsoft.com/office/drawing/2014/main" id="{26DF1A97-D3F5-4022-BEE0-23C1A187458B}"/>
+                <a16:creationId xmlns:a16="http://schemas.microsoft.com/office/drawing/2014/main" id="{AC80BC01-7351-48F8-9806-B93A4232AFAB}"/>
               </a:ext>
             </a:extLst>
           </p:cNvPr>
-          <p:cNvSpPr>
-            <a:spLocks noGrp="1"/>
-          </p:cNvSpPr>
-          <p:nvPr>
-            <p:ph type="title"/>
-          </p:nvPr>
-        </p:nvSpPr>
-        <p:spPr>
-          <a:xfrm>
-            <a:off x="685800" y="347870"/>
-            <a:ext cx="10820400" cy="1898742"/>
-          </a:xfrm>
-        </p:spPr>
-        <p:txBody>
-          <a:bodyPr>
-            <a:normAutofit/>
+          <p:cNvSpPr txBox="1"/>
+          <p:nvPr/>
+        </p:nvSpPr>
+        <p:spPr>
+          <a:xfrm>
+            <a:off x="336274" y="5784850"/>
+            <a:ext cx="11519452" cy="923330"/>
+          </a:xfrm>
+          <a:prstGeom prst="rect">
+            <a:avLst/>
+          </a:prstGeom>
+          <a:noFill/>
+        </p:spPr>
+        <p:txBody>
+          <a:bodyPr wrap="square" rtlCol="0">
+            <a:spAutoFit/>
           </a:bodyPr>
           <a:lstStyle/>
           <a:p>
             <a:r>
-              <a:rPr lang="it-IT" sz="4400"/>
-              <a:t>Terzo approccio: </a:t>
-            </a:r>
-            <a:br>
-              <a:rPr lang="it-IT" sz="4400" dirty="0"/>
-            </a:br>
-            <a:r>
-              <a:rPr lang="it-IT" sz="4400"/>
-              <a:t>somma di modelli</a:t>
-            </a:r>
-            <a:endParaRPr lang="it-IT" sz="4400" dirty="0"/>
-          </a:p>
-        </p:txBody>
-      </p:sp>
-      <p:sp>
-        <p:nvSpPr>
-          <p:cNvPr id="3" name="Segnaposto testo 2">
-            <a:extLst>
-              <a:ext uri="{FF2B5EF4-FFF2-40B4-BE49-F238E27FC236}">
-                <a16:creationId xmlns:a16="http://schemas.microsoft.com/office/drawing/2014/main" id="{7230869E-87E0-4453-B753-82170F038113}"/>
-              </a:ext>
-            </a:extLst>
-          </p:cNvPr>
-          <p:cNvSpPr>
-            <a:spLocks noGrp="1"/>
-          </p:cNvSpPr>
-          <p:nvPr>
-            <p:ph type="body" sz="half" idx="2"/>
-          </p:nvPr>
-        </p:nvSpPr>
-        <p:spPr>
-          <a:xfrm>
-            <a:off x="685800" y="1918252"/>
-            <a:ext cx="10130516" cy="2802467"/>
-          </a:xfrm>
-        </p:spPr>
-        <p:txBody>
-          <a:bodyPr>
-            <a:noAutofit/>
-          </a:bodyPr>
-          <a:lstStyle/>
-          <a:p>
-            <a:r>
-              <a:rPr lang="it-IT" sz="2000" dirty="0"/>
-              <a:t>Abbiamo considerato un modello per l’andamento dei consumi durante le 24 ore della giornata ed uno per l’andamento dei consumi durante le 52 domeniche dell’anno.</a:t>
-            </a:r>
-            <a:br>
-              <a:rPr lang="it-IT" sz="2000" dirty="0"/>
-            </a:br>
-            <a:r>
-              <a:rPr lang="it-IT" sz="2000" dirty="0"/>
-              <a:t>Il modello complessivo è ottenuto sommando questi ed aggiungendo il trend previsto.</a:t>
-            </a:r>
-          </a:p>
-          <a:p>
-            <a:r>
-              <a:rPr lang="it-IT" sz="2000" dirty="0">
+              <a:rPr lang="it-IT" dirty="0">
                 <a:solidFill>
                   <a:schemeClr val="accent6">
                     <a:lumMod val="75000"/>
                   </a:schemeClr>
                 </a:solidFill>
+                <a:effectLst>
+                  <a:outerShdw blurRad="38100" dist="38100" dir="2700000" algn="tl">
+                    <a:srgbClr val="000000">
+                      <a:alpha val="43137"/>
+                    </a:srgbClr>
+                  </a:outerShdw>
+                </a:effectLst>
               </a:rPr>
-              <a:t>RISULTATO</a:t>
-            </a:r>
-            <a:br>
-              <a:rPr lang="it-IT" sz="2000" dirty="0"/>
-            </a:br>
-            <a:r>
-              <a:rPr lang="it-IT" sz="2000" dirty="0"/>
-              <a:t>L’ssr di validazione ottenuto con questo modello è migliore solo del 3% rispetto al modello di Fourier</a:t>
-            </a:r>
-          </a:p>
-        </p:txBody>
-      </p:sp>
+              <a:t>OSSERVAZIONE</a:t>
+            </a:r>
+          </a:p>
+          <a:p>
+            <a:r>
+              <a:rPr lang="it-IT" dirty="0"/>
+              <a:t>Gli andamenti orari nell’arco di una giornata risultano essere </a:t>
+            </a:r>
+            <a:r>
+              <a:rPr lang="it-IT" i="1" dirty="0"/>
+              <a:t>diversi</a:t>
+            </a:r>
+            <a:r>
+              <a:rPr lang="it-IT" dirty="0"/>
+              <a:t> in base alla stagione. Considerare le stagioni potrebbe portare ad un miglioramento della precisione rispetto al modello precedente.</a:t>
+            </a:r>
+          </a:p>
+        </p:txBody>
+      </p:sp>
+      <p:pic>
+        <p:nvPicPr>
+          <p:cNvPr id="7" name="Immagine 6">
+            <a:extLst>
+              <a:ext uri="{FF2B5EF4-FFF2-40B4-BE49-F238E27FC236}">
+                <a16:creationId xmlns:a16="http://schemas.microsoft.com/office/drawing/2014/main" id="{7B2B6327-FA5D-4612-AAD9-1FF85FE6B619}"/>
+              </a:ext>
+            </a:extLst>
+          </p:cNvPr>
+          <p:cNvPicPr>
+            <a:picLocks noChangeAspect="1"/>
+          </p:cNvPicPr>
+          <p:nvPr/>
+        </p:nvPicPr>
+        <p:blipFill>
+          <a:blip r:embed="rId2">
+            <a:extLst>
+              <a:ext uri="{28A0092B-C50C-407E-A947-70E740481C1C}">
+                <a14:useLocalDpi xmlns:a14="http://schemas.microsoft.com/office/drawing/2010/main" val="0"/>
+              </a:ext>
+            </a:extLst>
+          </a:blip>
+          <a:stretch>
+            <a:fillRect/>
+          </a:stretch>
+        </p:blipFill>
+        <p:spPr>
+          <a:xfrm>
+            <a:off x="0" y="0"/>
+            <a:ext cx="12192000" cy="5784850"/>
+          </a:xfrm>
+          <a:prstGeom prst="rect">
+            <a:avLst/>
+          </a:prstGeom>
+        </p:spPr>
+      </p:pic>
     </p:spTree>
     <p:extLst>
       <p:ext uri="{BB962C8B-B14F-4D97-AF65-F5344CB8AC3E}">
-        <p14:creationId xmlns:p14="http://schemas.microsoft.com/office/powerpoint/2010/main" val="1032775810"/>
+        <p14:creationId xmlns:p14="http://schemas.microsoft.com/office/powerpoint/2010/main" val="2844107756"/>
       </p:ext>
     </p:extLst>
   </p:cSld>
@@ -7163,119 +7155,6 @@
       </p:grpSpPr>
       <p:sp>
         <p:nvSpPr>
-          <p:cNvPr id="6" name="CasellaDiTesto 5">
-            <a:extLst>
-              <a:ext uri="{FF2B5EF4-FFF2-40B4-BE49-F238E27FC236}">
-                <a16:creationId xmlns:a16="http://schemas.microsoft.com/office/drawing/2014/main" id="{AC80BC01-7351-48F8-9806-B93A4232AFAB}"/>
-              </a:ext>
-            </a:extLst>
-          </p:cNvPr>
-          <p:cNvSpPr txBox="1"/>
-          <p:nvPr/>
-        </p:nvSpPr>
-        <p:spPr>
-          <a:xfrm>
-            <a:off x="0" y="5934670"/>
-            <a:ext cx="11519452" cy="923330"/>
-          </a:xfrm>
-          <a:prstGeom prst="rect">
-            <a:avLst/>
-          </a:prstGeom>
-          <a:noFill/>
-        </p:spPr>
-        <p:txBody>
-          <a:bodyPr wrap="square" rtlCol="0">
-            <a:spAutoFit/>
-          </a:bodyPr>
-          <a:lstStyle/>
-          <a:p>
-            <a:r>
-              <a:rPr lang="it-IT" b="1" dirty="0">
-                <a:solidFill>
-                  <a:schemeClr val="accent6">
-                    <a:lumMod val="75000"/>
-                  </a:schemeClr>
-                </a:solidFill>
-              </a:rPr>
-              <a:t>OSSERVAZIONE</a:t>
-            </a:r>
-          </a:p>
-          <a:p>
-            <a:r>
-              <a:rPr lang="it-IT" dirty="0"/>
-              <a:t>Gli andamenti orari nell’arco di una giornata risultano essere diversi in base alla stagione. Questa potrebbe essere la ragione della scarsa precisione del modello precedente. </a:t>
-            </a:r>
-          </a:p>
-        </p:txBody>
-      </p:sp>
-      <p:pic>
-        <p:nvPicPr>
-          <p:cNvPr id="7" name="Immagine 6">
-            <a:extLst>
-              <a:ext uri="{FF2B5EF4-FFF2-40B4-BE49-F238E27FC236}">
-                <a16:creationId xmlns:a16="http://schemas.microsoft.com/office/drawing/2014/main" id="{7B2B6327-FA5D-4612-AAD9-1FF85FE6B619}"/>
-              </a:ext>
-            </a:extLst>
-          </p:cNvPr>
-          <p:cNvPicPr>
-            <a:picLocks noChangeAspect="1"/>
-          </p:cNvPicPr>
-          <p:nvPr/>
-        </p:nvPicPr>
-        <p:blipFill>
-          <a:blip r:embed="rId2">
-            <a:extLst>
-              <a:ext uri="{28A0092B-C50C-407E-A947-70E740481C1C}">
-                <a14:useLocalDpi xmlns:a14="http://schemas.microsoft.com/office/drawing/2010/main" val="0"/>
-              </a:ext>
-            </a:extLst>
-          </a:blip>
-          <a:stretch>
-            <a:fillRect/>
-          </a:stretch>
-        </p:blipFill>
-        <p:spPr>
-          <a:xfrm>
-            <a:off x="0" y="0"/>
-            <a:ext cx="12192000" cy="5784850"/>
-          </a:xfrm>
-          <a:prstGeom prst="rect">
-            <a:avLst/>
-          </a:prstGeom>
-        </p:spPr>
-      </p:pic>
-    </p:spTree>
-    <p:extLst>
-      <p:ext uri="{BB962C8B-B14F-4D97-AF65-F5344CB8AC3E}">
-        <p14:creationId xmlns:p14="http://schemas.microsoft.com/office/powerpoint/2010/main" val="2844107756"/>
-      </p:ext>
-    </p:extLst>
-  </p:cSld>
-  <p:clrMapOvr>
-    <a:masterClrMapping/>
-  </p:clrMapOvr>
-</p:sld>
-</file>
-
-<file path=ppt/slides/slide17.xml><?xml version="1.0" encoding="utf-8"?>
-<p:sld xmlns:a="http://schemas.openxmlformats.org/drawingml/2006/main" xmlns:r="http://schemas.openxmlformats.org/officeDocument/2006/relationships" xmlns:p="http://schemas.openxmlformats.org/presentationml/2006/main">
-  <p:cSld>
-    <p:spTree>
-      <p:nvGrpSpPr>
-        <p:cNvPr id="1" name=""/>
-        <p:cNvGrpSpPr/>
-        <p:nvPr/>
-      </p:nvGrpSpPr>
-      <p:grpSpPr>
-        <a:xfrm>
-          <a:off x="0" y="0"/>
-          <a:ext cx="0" cy="0"/>
-          <a:chOff x="0" y="0"/>
-          <a:chExt cx="0" cy="0"/>
-        </a:xfrm>
-      </p:grpSpPr>
-      <p:sp>
-        <p:nvSpPr>
           <p:cNvPr id="2" name="Titolo 1">
             <a:extLst>
               <a:ext uri="{FF2B5EF4-FFF2-40B4-BE49-F238E27FC236}">
@@ -7303,14 +7182,38 @@
           <a:lstStyle/>
           <a:p>
             <a:r>
-              <a:rPr lang="it-IT" sz="4400" dirty="0"/>
+              <a:rPr lang="it-IT" sz="4400" dirty="0">
+                <a:effectLst>
+                  <a:outerShdw blurRad="38100" dist="38100" dir="2700000" algn="tl">
+                    <a:srgbClr val="000000">
+                      <a:alpha val="43137"/>
+                    </a:srgbClr>
+                  </a:outerShdw>
+                </a:effectLst>
+              </a:rPr>
               <a:t>MODELLO DEFINITIVO: </a:t>
             </a:r>
             <a:br>
-              <a:rPr lang="it-IT" sz="4400" dirty="0"/>
+              <a:rPr lang="it-IT" sz="4400" dirty="0">
+                <a:effectLst>
+                  <a:outerShdw blurRad="38100" dist="38100" dir="2700000" algn="tl">
+                    <a:srgbClr val="000000">
+                      <a:alpha val="43137"/>
+                    </a:srgbClr>
+                  </a:outerShdw>
+                </a:effectLst>
+              </a:rPr>
             </a:br>
             <a:r>
-              <a:rPr lang="it-IT" sz="4400" dirty="0"/>
+              <a:rPr lang="it-IT" sz="4400" dirty="0">
+                <a:effectLst>
+                  <a:outerShdw blurRad="38100" dist="38100" dir="2700000" algn="tl">
+                    <a:srgbClr val="000000">
+                      <a:alpha val="43137"/>
+                    </a:srgbClr>
+                  </a:outerShdw>
+                </a:effectLst>
+              </a:rPr>
               <a:t>SOMMA MODELLI CON Stagionalità </a:t>
             </a:r>
           </a:p>
@@ -7334,8 +7237,8 @@
         </p:nvSpPr>
         <p:spPr>
           <a:xfrm>
-            <a:off x="685800" y="1918252"/>
-            <a:ext cx="10130516" cy="2802467"/>
+            <a:off x="685800" y="1995695"/>
+            <a:ext cx="10130516" cy="2615694"/>
           </a:xfrm>
         </p:spPr>
         <p:txBody>
@@ -7345,14 +7248,14 @@
           <a:lstStyle/>
           <a:p>
             <a:r>
-              <a:rPr lang="it-IT" sz="2000" dirty="0"/>
+              <a:rPr lang="it-IT" sz="2400" dirty="0"/>
               <a:t>L’andamento sulle 24 ore dei consumi è stato stimato separatamente per le quattro stagioni. </a:t>
             </a:r>
             <a:br>
-              <a:rPr lang="it-IT" sz="2000" dirty="0"/>
+              <a:rPr lang="it-IT" sz="2400" dirty="0"/>
             </a:br>
             <a:r>
-              <a:rPr lang="it-IT" sz="2000" dirty="0"/>
+              <a:rPr lang="it-IT" sz="2400" dirty="0"/>
               <a:t>Il modello dei consumi giornalieri delle 52 domeniche rimane uguale a quello precedente. </a:t>
             </a:r>
           </a:p>
@@ -7371,7 +7274,7 @@
 </p:sld>
 </file>
 
-<file path=ppt/slides/slide18.xml><?xml version="1.0" encoding="utf-8"?>
+<file path=ppt/slides/slide17.xml><?xml version="1.0" encoding="utf-8"?>
 <p:sld xmlns:a="http://schemas.openxmlformats.org/drawingml/2006/main" xmlns:r="http://schemas.openxmlformats.org/officeDocument/2006/relationships" xmlns:p="http://schemas.openxmlformats.org/presentationml/2006/main">
   <p:cSld>
     <p:spTree>
@@ -7518,7 +7421,7 @@
 </p:sld>
 </file>
 
-<file path=ppt/slides/slide19.xml><?xml version="1.0" encoding="utf-8"?>
+<file path=ppt/slides/slide18.xml><?xml version="1.0" encoding="utf-8"?>
 <p:sld xmlns:a="http://schemas.openxmlformats.org/drawingml/2006/main" xmlns:r="http://schemas.openxmlformats.org/officeDocument/2006/relationships" xmlns:p="http://schemas.openxmlformats.org/presentationml/2006/main">
   <p:cSld>
     <p:spTree>
@@ -7564,7 +7467,7 @@
           <a:lstStyle/>
           <a:p>
             <a:r>
-              <a:rPr lang="it-IT" sz="5400">
+              <a:rPr lang="it-IT" sz="5400" dirty="0">
                 <a:solidFill>
                   <a:srgbClr val="FF0000"/>
                 </a:solidFill>
@@ -7579,7 +7482,7 @@
               <a:t>Modello orario</a:t>
             </a:r>
             <a:br>
-              <a:rPr lang="it-IT" sz="5400"/>
+              <a:rPr lang="it-IT" sz="5400" dirty="0"/>
             </a:br>
             <a:endParaRPr lang="it-IT" sz="5400" dirty="0"/>
           </a:p>
@@ -7703,6 +7606,138 @@
     <p:extLst>
       <p:ext uri="{BB962C8B-B14F-4D97-AF65-F5344CB8AC3E}">
         <p14:creationId xmlns:p14="http://schemas.microsoft.com/office/powerpoint/2010/main" val="2117560641"/>
+      </p:ext>
+    </p:extLst>
+  </p:cSld>
+  <p:clrMapOvr>
+    <a:masterClrMapping/>
+  </p:clrMapOvr>
+</p:sld>
+</file>
+
+<file path=ppt/slides/slide19.xml><?xml version="1.0" encoding="utf-8"?>
+<p:sld xmlns:a="http://schemas.openxmlformats.org/drawingml/2006/main" xmlns:r="http://schemas.openxmlformats.org/officeDocument/2006/relationships" xmlns:p="http://schemas.openxmlformats.org/presentationml/2006/main">
+  <p:cSld>
+    <p:spTree>
+      <p:nvGrpSpPr>
+        <p:cNvPr id="1" name=""/>
+        <p:cNvGrpSpPr/>
+        <p:nvPr/>
+      </p:nvGrpSpPr>
+      <p:grpSpPr>
+        <a:xfrm>
+          <a:off x="0" y="0"/>
+          <a:ext cx="0" cy="0"/>
+          <a:chOff x="0" y="0"/>
+          <a:chExt cx="0" cy="0"/>
+        </a:xfrm>
+      </p:grpSpPr>
+      <p:sp>
+        <p:nvSpPr>
+          <p:cNvPr id="3" name="Segnaposto testo 2">
+            <a:extLst>
+              <a:ext uri="{FF2B5EF4-FFF2-40B4-BE49-F238E27FC236}">
+                <a16:creationId xmlns:a16="http://schemas.microsoft.com/office/drawing/2014/main" id="{83A9A806-950A-46DC-91C1-A41DD3184B4A}"/>
+              </a:ext>
+            </a:extLst>
+          </p:cNvPr>
+          <p:cNvSpPr>
+            <a:spLocks noGrp="1"/>
+          </p:cNvSpPr>
+          <p:nvPr>
+            <p:ph type="body" sz="half" idx="2"/>
+          </p:nvPr>
+        </p:nvSpPr>
+        <p:spPr>
+          <a:xfrm>
+            <a:off x="1672167" y="590790"/>
+            <a:ext cx="10144654" cy="2762010"/>
+          </a:xfrm>
+        </p:spPr>
+        <p:txBody>
+          <a:bodyPr>
+            <a:normAutofit lnSpcReduction="10000"/>
+          </a:bodyPr>
+          <a:lstStyle/>
+          <a:p>
+            <a:pPr algn="r"/>
+            <a:r>
+              <a:rPr lang="it-IT" sz="2800" dirty="0">
+                <a:solidFill>
+                  <a:schemeClr val="accent6">
+                    <a:lumMod val="75000"/>
+                  </a:schemeClr>
+                </a:solidFill>
+                <a:effectLst>
+                  <a:outerShdw blurRad="38100" dist="38100" dir="2700000" algn="tl">
+                    <a:srgbClr val="000000">
+                      <a:alpha val="43137"/>
+                    </a:srgbClr>
+                  </a:outerShdw>
+                </a:effectLst>
+              </a:rPr>
+              <a:t>OSSERVAZIONE</a:t>
+            </a:r>
+          </a:p>
+          <a:p>
+            <a:pPr algn="r"/>
+            <a:r>
+              <a:rPr lang="it-IT" sz="2800" dirty="0"/>
+              <a:t>Nella fase di </a:t>
+            </a:r>
+            <a:r>
+              <a:rPr lang="it-IT" sz="2800" dirty="0">
+                <a:effectLst>
+                  <a:outerShdw blurRad="38100" dist="38100" dir="2700000" algn="tl">
+                    <a:srgbClr val="000000">
+                      <a:alpha val="43137"/>
+                    </a:srgbClr>
+                  </a:outerShdw>
+                </a:effectLst>
+              </a:rPr>
+              <a:t>individuazione del modello </a:t>
+            </a:r>
+            <a:r>
+              <a:rPr lang="it-IT" sz="2800" dirty="0"/>
+              <a:t>abbiamo scelto di identificare sul primo anno e di validare sul secondo. Invece, per la </a:t>
+            </a:r>
+            <a:r>
+              <a:rPr lang="it-IT" sz="2800" dirty="0">
+                <a:effectLst>
+                  <a:outerShdw blurRad="38100" dist="38100" dir="2700000" algn="tl">
+                    <a:srgbClr val="000000">
+                      <a:alpha val="43137"/>
+                    </a:srgbClr>
+                  </a:outerShdw>
+                </a:effectLst>
+              </a:rPr>
+              <a:t>stima del terzo anno </a:t>
+            </a:r>
+            <a:r>
+              <a:rPr lang="it-IT" sz="2800" dirty="0"/>
+              <a:t>l’identificazione viene effettuata sul </a:t>
+            </a:r>
+            <a:r>
+              <a:rPr lang="it-IT" sz="2800" i="1" dirty="0">
+                <a:solidFill>
+                  <a:schemeClr val="accent6">
+                    <a:lumMod val="50000"/>
+                  </a:schemeClr>
+                </a:solidFill>
+              </a:rPr>
+              <a:t>secondo anno </a:t>
+            </a:r>
+            <a:r>
+              <a:rPr lang="it-IT" sz="2800" dirty="0"/>
+              <a:t>piuttosto che sul primo o sulla media tra i due, poiché è più probabile che i consumi del terzo anno siano simili a quelli del secondo. </a:t>
+            </a:r>
+          </a:p>
+        </p:txBody>
+      </p:sp>
+    </p:spTree>
+    <p:extLst>
+      <p:ext uri="{BB962C8B-B14F-4D97-AF65-F5344CB8AC3E}">
+        <p14:creationId xmlns:p14="http://schemas.microsoft.com/office/powerpoint/2010/main" val="2584680687"/>
       </p:ext>
     </p:extLst>
   </p:cSld>
@@ -8017,37 +8052,71 @@
           </a:bodyPr>
           <a:lstStyle/>
           <a:p>
-            <a:pPr marL="0" indent="0">
+            <a:pPr marL="0" indent="0" algn="ctr">
               <a:buNone/>
             </a:pPr>
             <a:r>
               <a:rPr lang="it-IT" sz="2800" dirty="0">
                 <a:solidFill>
-                  <a:schemeClr val="accent1">
-                    <a:lumMod val="60000"/>
-                    <a:lumOff val="40000"/>
+                  <a:schemeClr val="accent6">
+                    <a:lumMod val="75000"/>
                   </a:schemeClr>
                 </a:solidFill>
+                <a:effectLst>
+                  <a:outerShdw blurRad="38100" dist="38100" dir="2700000" algn="tl">
+                    <a:srgbClr val="000000">
+                      <a:alpha val="43137"/>
+                    </a:srgbClr>
+                  </a:outerShdw>
+                </a:effectLst>
               </a:rPr>
               <a:t>Obiettivi</a:t>
             </a:r>
             <a:r>
+              <a:rPr lang="it-IT" sz="2800" dirty="0">
+                <a:solidFill>
+                  <a:srgbClr val="FF0000"/>
+                </a:solidFill>
+              </a:rPr>
+              <a:t> </a:t>
+            </a:r>
+          </a:p>
+          <a:p>
+            <a:pPr lvl="1"/>
+            <a:r>
+              <a:rPr lang="it-IT" sz="2800" dirty="0">
+                <a:effectLst>
+                  <a:outerShdw blurRad="38100" dist="38100" dir="2700000" algn="tl">
+                    <a:srgbClr val="000000">
+                      <a:alpha val="43137"/>
+                    </a:srgbClr>
+                  </a:outerShdw>
+                </a:effectLst>
+              </a:rPr>
+              <a:t>Identificare un modello </a:t>
+            </a:r>
+            <a:r>
               <a:rPr lang="it-IT" sz="2800" dirty="0"/>
-              <a:t> </a:t>
+              <a:t>che segua l’andamento dei consumi elettrici della domenica in funzione del giorno e dell’ora;</a:t>
             </a:r>
           </a:p>
           <a:p>
             <a:pPr lvl="1"/>
             <a:r>
+              <a:rPr lang="it-IT" sz="2800" dirty="0">
+                <a:effectLst>
+                  <a:outerShdw blurRad="38100" dist="38100" dir="2700000" algn="tl">
+                    <a:srgbClr val="000000">
+                      <a:alpha val="43137"/>
+                    </a:srgbClr>
+                  </a:outerShdw>
+                </a:effectLst>
+              </a:rPr>
+              <a:t>Predire il consumo </a:t>
+            </a:r>
+            <a:r>
               <a:rPr lang="it-IT" sz="2800" dirty="0"/>
-              <a:t>Identificare un modello che segua l’andamento dei consumi elettrici della domenica in funzione del giorno e dell’ora;</a:t>
-            </a:r>
-          </a:p>
-          <a:p>
-            <a:pPr lvl="1"/>
-            <a:r>
-              <a:rPr lang="it-IT" sz="2800" dirty="0"/>
-              <a:t>Predire il consumo di una domenica  dell’anno successivo a quelli dati mediante una funzione Matlab che prenda in ingresso due scalari, ora e giorno. </a:t>
+              <a:t>di una domenica  dell’anno successivo a quelli dati mediante una funzione Matlab che prenda in ingresso due scalari, ora e giorno. </a:t>
             </a:r>
           </a:p>
         </p:txBody>
@@ -8066,6 +8135,1257 @@
 </file>
 
 <file path=ppt/slides/slide20.xml><?xml version="1.0" encoding="utf-8"?>
+<p:sld xmlns:a="http://schemas.openxmlformats.org/drawingml/2006/main" xmlns:r="http://schemas.openxmlformats.org/officeDocument/2006/relationships" xmlns:p="http://schemas.openxmlformats.org/presentationml/2006/main">
+  <p:cSld>
+    <p:spTree>
+      <p:nvGrpSpPr>
+        <p:cNvPr id="1" name=""/>
+        <p:cNvGrpSpPr/>
+        <p:nvPr/>
+      </p:nvGrpSpPr>
+      <p:grpSpPr>
+        <a:xfrm>
+          <a:off x="0" y="0"/>
+          <a:ext cx="0" cy="0"/>
+          <a:chOff x="0" y="0"/>
+          <a:chExt cx="0" cy="0"/>
+        </a:xfrm>
+      </p:grpSpPr>
+      <p:sp>
+        <p:nvSpPr>
+          <p:cNvPr id="2" name="Titolo 1">
+            <a:extLst>
+              <a:ext uri="{FF2B5EF4-FFF2-40B4-BE49-F238E27FC236}">
+                <a16:creationId xmlns:a16="http://schemas.microsoft.com/office/drawing/2014/main" id="{50EF3E93-BA71-4BC0-8847-3CDA9C332ACC}"/>
+              </a:ext>
+            </a:extLst>
+          </p:cNvPr>
+          <p:cNvSpPr>
+            <a:spLocks noGrp="1"/>
+          </p:cNvSpPr>
+          <p:nvPr>
+            <p:ph type="title"/>
+          </p:nvPr>
+        </p:nvSpPr>
+        <p:spPr>
+          <a:xfrm>
+            <a:off x="5196840" y="163926"/>
+            <a:ext cx="6873240" cy="1195283"/>
+          </a:xfrm>
+        </p:spPr>
+        <p:txBody>
+          <a:bodyPr>
+            <a:normAutofit/>
+          </a:bodyPr>
+          <a:lstStyle/>
+          <a:p>
+            <a:pPr algn="ctr"/>
+            <a:r>
+              <a:rPr lang="it-IT" dirty="0">
+                <a:solidFill>
+                  <a:srgbClr val="FF0000"/>
+                </a:solidFill>
+                <a:effectLst>
+                  <a:outerShdw blurRad="38100" dist="38100" dir="2700000" algn="tl">
+                    <a:srgbClr val="000000">
+                      <a:alpha val="43137"/>
+                    </a:srgbClr>
+                  </a:outerShdw>
+                </a:effectLst>
+              </a:rPr>
+              <a:t>scelta del numero di armoniche</a:t>
+            </a:r>
+            <a:endParaRPr lang="it-IT" dirty="0"/>
+          </a:p>
+        </p:txBody>
+      </p:sp>
+      <p:graphicFrame>
+        <p:nvGraphicFramePr>
+          <p:cNvPr id="5" name="Tabella 4">
+            <a:extLst>
+              <a:ext uri="{FF2B5EF4-FFF2-40B4-BE49-F238E27FC236}">
+                <a16:creationId xmlns:a16="http://schemas.microsoft.com/office/drawing/2014/main" id="{CDBC0656-3F0E-4F5C-B93F-B70DEBCF9AFB}"/>
+              </a:ext>
+            </a:extLst>
+          </p:cNvPr>
+          <p:cNvGraphicFramePr>
+            <a:graphicFrameLocks noGrp="1"/>
+          </p:cNvGraphicFramePr>
+          <p:nvPr>
+            <p:extLst>
+              <p:ext uri="{D42A27DB-BD31-4B8C-83A1-F6EECF244321}">
+                <p14:modId xmlns:p14="http://schemas.microsoft.com/office/powerpoint/2010/main" val="1865068047"/>
+              </p:ext>
+            </p:extLst>
+          </p:nvPr>
+        </p:nvGraphicFramePr>
+        <p:xfrm>
+          <a:off x="620396" y="2445047"/>
+          <a:ext cx="5344158" cy="3230880"/>
+        </p:xfrm>
+        <a:graphic>
+          <a:graphicData uri="http://schemas.openxmlformats.org/drawingml/2006/table">
+            <a:tbl>
+              <a:tblPr firstRow="1" bandRow="1">
+                <a:tableStyleId>{0E3FDE45-AF77-4B5C-9715-49D594BDF05E}</a:tableStyleId>
+              </a:tblPr>
+              <a:tblGrid>
+                <a:gridCol w="1781386">
+                  <a:extLst>
+                    <a:ext uri="{9D8B030D-6E8A-4147-A177-3AD203B41FA5}">
+                      <a16:colId xmlns:a16="http://schemas.microsoft.com/office/drawing/2014/main" val="2873865349"/>
+                    </a:ext>
+                  </a:extLst>
+                </a:gridCol>
+                <a:gridCol w="1781386">
+                  <a:extLst>
+                    <a:ext uri="{9D8B030D-6E8A-4147-A177-3AD203B41FA5}">
+                      <a16:colId xmlns:a16="http://schemas.microsoft.com/office/drawing/2014/main" val="3066498749"/>
+                    </a:ext>
+                  </a:extLst>
+                </a:gridCol>
+                <a:gridCol w="1781386">
+                  <a:extLst>
+                    <a:ext uri="{9D8B030D-6E8A-4147-A177-3AD203B41FA5}">
+                      <a16:colId xmlns:a16="http://schemas.microsoft.com/office/drawing/2014/main" val="3754050314"/>
+                    </a:ext>
+                  </a:extLst>
+                </a:gridCol>
+              </a:tblGrid>
+              <a:tr h="370840">
+                <a:tc>
+                  <a:txBody>
+                    <a:bodyPr/>
+                    <a:lstStyle/>
+                    <a:p>
+                      <a:r>
+                        <a:rPr lang="it-IT" dirty="0"/>
+                        <a:t>Armoniche ore</a:t>
+                      </a:r>
+                    </a:p>
+                  </a:txBody>
+                  <a:tcPr/>
+                </a:tc>
+                <a:tc>
+                  <a:txBody>
+                    <a:bodyPr/>
+                    <a:lstStyle/>
+                    <a:p>
+                      <a:r>
+                        <a:rPr lang="it-IT" dirty="0"/>
+                        <a:t>Armoniche giorni</a:t>
+                      </a:r>
+                    </a:p>
+                  </a:txBody>
+                  <a:tcPr/>
+                </a:tc>
+                <a:tc>
+                  <a:txBody>
+                    <a:bodyPr/>
+                    <a:lstStyle/>
+                    <a:p>
+                      <a:r>
+                        <a:rPr lang="it-IT" dirty="0"/>
+                        <a:t>SSR validazione</a:t>
+                      </a:r>
+                    </a:p>
+                  </a:txBody>
+                  <a:tcPr/>
+                </a:tc>
+                <a:extLst>
+                  <a:ext uri="{0D108BD9-81ED-4DB2-BD59-A6C34878D82A}">
+                    <a16:rowId xmlns:a16="http://schemas.microsoft.com/office/drawing/2014/main" val="982913047"/>
+                  </a:ext>
+                </a:extLst>
+              </a:tr>
+              <a:tr h="370840">
+                <a:tc>
+                  <a:txBody>
+                    <a:bodyPr/>
+                    <a:lstStyle/>
+                    <a:p>
+                      <a:r>
+                        <a:rPr lang="it-IT" dirty="0"/>
+                        <a:t>9</a:t>
+                      </a:r>
+                    </a:p>
+                  </a:txBody>
+                  <a:tcPr/>
+                </a:tc>
+                <a:tc>
+                  <a:txBody>
+                    <a:bodyPr/>
+                    <a:lstStyle/>
+                    <a:p>
+                      <a:r>
+                        <a:rPr lang="it-IT" dirty="0"/>
+                        <a:t>5</a:t>
+                      </a:r>
+                    </a:p>
+                  </a:txBody>
+                  <a:tcPr/>
+                </a:tc>
+                <a:tc>
+                  <a:txBody>
+                    <a:bodyPr/>
+                    <a:lstStyle/>
+                    <a:p>
+                      <a:r>
+                        <a:rPr lang="it-IT" sz="1800" dirty="0"/>
+                        <a:t>3.5977</a:t>
+                      </a:r>
+                      <a:r>
+                        <a:rPr lang="it-IT" sz="1800" kern="1200" dirty="0">
+                          <a:effectLst/>
+                        </a:rPr>
+                        <a:t>*10</a:t>
+                      </a:r>
+                      <a:r>
+                        <a:rPr lang="it-IT" sz="1800" kern="1200" baseline="30000" dirty="0">
+                          <a:effectLst/>
+                        </a:rPr>
+                        <a:t>9</a:t>
+                      </a:r>
+                      <a:endParaRPr lang="it-IT" dirty="0"/>
+                    </a:p>
+                  </a:txBody>
+                  <a:tcPr/>
+                </a:tc>
+                <a:extLst>
+                  <a:ext uri="{0D108BD9-81ED-4DB2-BD59-A6C34878D82A}">
+                    <a16:rowId xmlns:a16="http://schemas.microsoft.com/office/drawing/2014/main" val="3381919440"/>
+                  </a:ext>
+                </a:extLst>
+              </a:tr>
+              <a:tr h="370840">
+                <a:tc>
+                  <a:txBody>
+                    <a:bodyPr/>
+                    <a:lstStyle/>
+                    <a:p>
+                      <a:r>
+                        <a:rPr lang="it-IT" dirty="0"/>
+                        <a:t>8</a:t>
+                      </a:r>
+                    </a:p>
+                  </a:txBody>
+                  <a:tcPr/>
+                </a:tc>
+                <a:tc>
+                  <a:txBody>
+                    <a:bodyPr/>
+                    <a:lstStyle/>
+                    <a:p>
+                      <a:r>
+                        <a:rPr lang="it-IT" dirty="0"/>
+                        <a:t>5</a:t>
+                      </a:r>
+                    </a:p>
+                  </a:txBody>
+                  <a:tcPr/>
+                </a:tc>
+                <a:tc>
+                  <a:txBody>
+                    <a:bodyPr/>
+                    <a:lstStyle/>
+                    <a:p>
+                      <a:r>
+                        <a:rPr lang="it-IT" sz="1800" dirty="0"/>
+                        <a:t>3.6045</a:t>
+                      </a:r>
+                      <a:r>
+                        <a:rPr lang="it-IT" sz="1800" kern="1200" dirty="0">
+                          <a:effectLst/>
+                        </a:rPr>
+                        <a:t>*10</a:t>
+                      </a:r>
+                      <a:r>
+                        <a:rPr lang="it-IT" sz="1800" kern="1200" baseline="30000" dirty="0">
+                          <a:effectLst/>
+                        </a:rPr>
+                        <a:t>9</a:t>
+                      </a:r>
+                      <a:endParaRPr lang="it-IT" dirty="0"/>
+                    </a:p>
+                  </a:txBody>
+                  <a:tcPr/>
+                </a:tc>
+                <a:extLst>
+                  <a:ext uri="{0D108BD9-81ED-4DB2-BD59-A6C34878D82A}">
+                    <a16:rowId xmlns:a16="http://schemas.microsoft.com/office/drawing/2014/main" val="856693130"/>
+                  </a:ext>
+                </a:extLst>
+              </a:tr>
+              <a:tr h="370840">
+                <a:tc>
+                  <a:txBody>
+                    <a:bodyPr/>
+                    <a:lstStyle/>
+                    <a:p>
+                      <a:r>
+                        <a:rPr lang="it-IT" dirty="0"/>
+                        <a:t>10</a:t>
+                      </a:r>
+                    </a:p>
+                  </a:txBody>
+                  <a:tcPr/>
+                </a:tc>
+                <a:tc>
+                  <a:txBody>
+                    <a:bodyPr/>
+                    <a:lstStyle/>
+                    <a:p>
+                      <a:r>
+                        <a:rPr lang="it-IT" dirty="0"/>
+                        <a:t>5</a:t>
+                      </a:r>
+                    </a:p>
+                  </a:txBody>
+                  <a:tcPr/>
+                </a:tc>
+                <a:tc>
+                  <a:txBody>
+                    <a:bodyPr/>
+                    <a:lstStyle/>
+                    <a:p>
+                      <a:r>
+                        <a:rPr lang="it-IT" sz="1800" dirty="0"/>
+                        <a:t>3.5967</a:t>
+                      </a:r>
+                      <a:r>
+                        <a:rPr lang="it-IT" sz="1800" kern="1200" dirty="0">
+                          <a:effectLst/>
+                        </a:rPr>
+                        <a:t>*10</a:t>
+                      </a:r>
+                      <a:r>
+                        <a:rPr lang="it-IT" sz="1800" kern="1200" baseline="30000" dirty="0">
+                          <a:effectLst/>
+                        </a:rPr>
+                        <a:t>9</a:t>
+                      </a:r>
+                      <a:endParaRPr lang="it-IT" dirty="0"/>
+                    </a:p>
+                  </a:txBody>
+                  <a:tcPr/>
+                </a:tc>
+                <a:extLst>
+                  <a:ext uri="{0D108BD9-81ED-4DB2-BD59-A6C34878D82A}">
+                    <a16:rowId xmlns:a16="http://schemas.microsoft.com/office/drawing/2014/main" val="2452482781"/>
+                  </a:ext>
+                </a:extLst>
+              </a:tr>
+              <a:tr h="370840">
+                <a:tc>
+                  <a:txBody>
+                    <a:bodyPr/>
+                    <a:lstStyle/>
+                    <a:p>
+                      <a:r>
+                        <a:rPr lang="it-IT" b="1" dirty="0">
+                          <a:solidFill>
+                            <a:srgbClr val="FF0000"/>
+                          </a:solidFill>
+                          <a:effectLst>
+                            <a:outerShdw blurRad="38100" dist="38100" dir="2700000" algn="tl">
+                              <a:srgbClr val="000000">
+                                <a:alpha val="43137"/>
+                              </a:srgbClr>
+                            </a:outerShdw>
+                          </a:effectLst>
+                        </a:rPr>
+                        <a:t>11</a:t>
+                      </a:r>
+                    </a:p>
+                  </a:txBody>
+                  <a:tcPr/>
+                </a:tc>
+                <a:tc>
+                  <a:txBody>
+                    <a:bodyPr/>
+                    <a:lstStyle/>
+                    <a:p>
+                      <a:r>
+                        <a:rPr lang="it-IT" b="1" dirty="0">
+                          <a:solidFill>
+                            <a:srgbClr val="FF0000"/>
+                          </a:solidFill>
+                          <a:effectLst>
+                            <a:outerShdw blurRad="38100" dist="38100" dir="2700000" algn="tl">
+                              <a:srgbClr val="000000">
+                                <a:alpha val="43137"/>
+                              </a:srgbClr>
+                            </a:outerShdw>
+                          </a:effectLst>
+                        </a:rPr>
+                        <a:t>5</a:t>
+                      </a:r>
+                    </a:p>
+                  </a:txBody>
+                  <a:tcPr/>
+                </a:tc>
+                <a:tc>
+                  <a:txBody>
+                    <a:bodyPr/>
+                    <a:lstStyle/>
+                    <a:p>
+                      <a:r>
+                        <a:rPr lang="it-IT" sz="1800" dirty="0">
+                          <a:solidFill>
+                            <a:srgbClr val="FF0000"/>
+                          </a:solidFill>
+                          <a:effectLst>
+                            <a:outerShdw blurRad="38100" dist="38100" dir="2700000" algn="tl">
+                              <a:srgbClr val="000000">
+                                <a:alpha val="43137"/>
+                              </a:srgbClr>
+                            </a:outerShdw>
+                          </a:effectLst>
+                        </a:rPr>
+                        <a:t>3.5927</a:t>
+                      </a:r>
+                      <a:r>
+                        <a:rPr lang="it-IT" sz="1800" kern="1200" dirty="0">
+                          <a:solidFill>
+                            <a:srgbClr val="FF0000"/>
+                          </a:solidFill>
+                          <a:effectLst>
+                            <a:outerShdw blurRad="38100" dist="38100" dir="2700000" algn="tl">
+                              <a:srgbClr val="000000">
+                                <a:alpha val="43137"/>
+                              </a:srgbClr>
+                            </a:outerShdw>
+                          </a:effectLst>
+                        </a:rPr>
+                        <a:t>*10</a:t>
+                      </a:r>
+                      <a:r>
+                        <a:rPr lang="it-IT" sz="1800" kern="1200" baseline="30000" dirty="0">
+                          <a:solidFill>
+                            <a:srgbClr val="FF0000"/>
+                          </a:solidFill>
+                          <a:effectLst>
+                            <a:outerShdw blurRad="38100" dist="38100" dir="2700000" algn="tl">
+                              <a:srgbClr val="000000">
+                                <a:alpha val="43137"/>
+                              </a:srgbClr>
+                            </a:outerShdw>
+                          </a:effectLst>
+                        </a:rPr>
+                        <a:t>9</a:t>
+                      </a:r>
+                      <a:endParaRPr lang="it-IT" dirty="0">
+                        <a:solidFill>
+                          <a:srgbClr val="FF0000"/>
+                        </a:solidFill>
+                        <a:effectLst>
+                          <a:outerShdw blurRad="38100" dist="38100" dir="2700000" algn="tl">
+                            <a:srgbClr val="000000">
+                              <a:alpha val="43137"/>
+                            </a:srgbClr>
+                          </a:outerShdw>
+                        </a:effectLst>
+                      </a:endParaRPr>
+                    </a:p>
+                  </a:txBody>
+                  <a:tcPr/>
+                </a:tc>
+                <a:extLst>
+                  <a:ext uri="{0D108BD9-81ED-4DB2-BD59-A6C34878D82A}">
+                    <a16:rowId xmlns:a16="http://schemas.microsoft.com/office/drawing/2014/main" val="3954083179"/>
+                  </a:ext>
+                </a:extLst>
+              </a:tr>
+              <a:tr h="370840">
+                <a:tc>
+                  <a:txBody>
+                    <a:bodyPr/>
+                    <a:lstStyle/>
+                    <a:p>
+                      <a:r>
+                        <a:rPr lang="it-IT" dirty="0"/>
+                        <a:t>12</a:t>
+                      </a:r>
+                    </a:p>
+                  </a:txBody>
+                  <a:tcPr/>
+                </a:tc>
+                <a:tc>
+                  <a:txBody>
+                    <a:bodyPr/>
+                    <a:lstStyle/>
+                    <a:p>
+                      <a:r>
+                        <a:rPr lang="it-IT" b="1" dirty="0"/>
+                        <a:t>5</a:t>
+                      </a:r>
+                    </a:p>
+                  </a:txBody>
+                  <a:tcPr/>
+                </a:tc>
+                <a:tc>
+                  <a:txBody>
+                    <a:bodyPr/>
+                    <a:lstStyle/>
+                    <a:p>
+                      <a:r>
+                        <a:rPr lang="it-IT" sz="1800" dirty="0"/>
+                        <a:t>3.5929</a:t>
+                      </a:r>
+                      <a:r>
+                        <a:rPr lang="it-IT" sz="1800" kern="1200" dirty="0">
+                          <a:effectLst/>
+                        </a:rPr>
+                        <a:t>*10</a:t>
+                      </a:r>
+                      <a:r>
+                        <a:rPr lang="it-IT" sz="1800" kern="1200" baseline="30000" dirty="0">
+                          <a:effectLst/>
+                        </a:rPr>
+                        <a:t>9</a:t>
+                      </a:r>
+                      <a:endParaRPr lang="it-IT" dirty="0"/>
+                    </a:p>
+                  </a:txBody>
+                  <a:tcPr/>
+                </a:tc>
+                <a:extLst>
+                  <a:ext uri="{0D108BD9-81ED-4DB2-BD59-A6C34878D82A}">
+                    <a16:rowId xmlns:a16="http://schemas.microsoft.com/office/drawing/2014/main" val="3620326857"/>
+                  </a:ext>
+                </a:extLst>
+              </a:tr>
+              <a:tr h="370840">
+                <a:tc>
+                  <a:txBody>
+                    <a:bodyPr/>
+                    <a:lstStyle/>
+                    <a:p>
+                      <a:r>
+                        <a:rPr lang="it-IT" b="1" dirty="0"/>
+                        <a:t>11</a:t>
+                      </a:r>
+                    </a:p>
+                  </a:txBody>
+                  <a:tcPr/>
+                </a:tc>
+                <a:tc>
+                  <a:txBody>
+                    <a:bodyPr/>
+                    <a:lstStyle/>
+                    <a:p>
+                      <a:r>
+                        <a:rPr lang="it-IT" dirty="0"/>
+                        <a:t>6</a:t>
+                      </a:r>
+                    </a:p>
+                  </a:txBody>
+                  <a:tcPr/>
+                </a:tc>
+                <a:tc>
+                  <a:txBody>
+                    <a:bodyPr/>
+                    <a:lstStyle/>
+                    <a:p>
+                      <a:r>
+                        <a:rPr lang="it-IT" sz="1800" dirty="0"/>
+                        <a:t>3.5950</a:t>
+                      </a:r>
+                      <a:r>
+                        <a:rPr lang="it-IT" sz="1800" kern="1200" dirty="0">
+                          <a:effectLst/>
+                        </a:rPr>
+                        <a:t>*10</a:t>
+                      </a:r>
+                      <a:r>
+                        <a:rPr lang="it-IT" sz="1800" kern="1200" baseline="30000" dirty="0">
+                          <a:effectLst/>
+                        </a:rPr>
+                        <a:t>9</a:t>
+                      </a:r>
+                      <a:endParaRPr lang="it-IT" dirty="0"/>
+                    </a:p>
+                  </a:txBody>
+                  <a:tcPr/>
+                </a:tc>
+                <a:extLst>
+                  <a:ext uri="{0D108BD9-81ED-4DB2-BD59-A6C34878D82A}">
+                    <a16:rowId xmlns:a16="http://schemas.microsoft.com/office/drawing/2014/main" val="892880365"/>
+                  </a:ext>
+                </a:extLst>
+              </a:tr>
+              <a:tr h="0">
+                <a:tc>
+                  <a:txBody>
+                    <a:bodyPr/>
+                    <a:lstStyle/>
+                    <a:p>
+                      <a:r>
+                        <a:rPr lang="it-IT" b="1" dirty="0"/>
+                        <a:t>11</a:t>
+                      </a:r>
+                    </a:p>
+                  </a:txBody>
+                  <a:tcPr/>
+                </a:tc>
+                <a:tc>
+                  <a:txBody>
+                    <a:bodyPr/>
+                    <a:lstStyle/>
+                    <a:p>
+                      <a:r>
+                        <a:rPr lang="it-IT" dirty="0"/>
+                        <a:t>4</a:t>
+                      </a:r>
+                    </a:p>
+                  </a:txBody>
+                  <a:tcPr/>
+                </a:tc>
+                <a:tc>
+                  <a:txBody>
+                    <a:bodyPr/>
+                    <a:lstStyle/>
+                    <a:p>
+                      <a:r>
+                        <a:rPr lang="it-IT" sz="1800" dirty="0"/>
+                        <a:t>3.8832</a:t>
+                      </a:r>
+                      <a:r>
+                        <a:rPr lang="it-IT" sz="1800" kern="1200" dirty="0">
+                          <a:effectLst/>
+                        </a:rPr>
+                        <a:t>*10</a:t>
+                      </a:r>
+                      <a:r>
+                        <a:rPr lang="it-IT" sz="1800" kern="1200" baseline="30000" dirty="0">
+                          <a:effectLst/>
+                        </a:rPr>
+                        <a:t>9</a:t>
+                      </a:r>
+                      <a:endParaRPr lang="it-IT" dirty="0"/>
+                    </a:p>
+                  </a:txBody>
+                  <a:tcPr/>
+                </a:tc>
+                <a:extLst>
+                  <a:ext uri="{0D108BD9-81ED-4DB2-BD59-A6C34878D82A}">
+                    <a16:rowId xmlns:a16="http://schemas.microsoft.com/office/drawing/2014/main" val="3140826686"/>
+                  </a:ext>
+                </a:extLst>
+              </a:tr>
+            </a:tbl>
+          </a:graphicData>
+        </a:graphic>
+      </p:graphicFrame>
+      <p:graphicFrame>
+        <p:nvGraphicFramePr>
+          <p:cNvPr id="6" name="Tabella 5">
+            <a:extLst>
+              <a:ext uri="{FF2B5EF4-FFF2-40B4-BE49-F238E27FC236}">
+                <a16:creationId xmlns:a16="http://schemas.microsoft.com/office/drawing/2014/main" id="{CDBB08D0-1927-4648-B289-A46024A0A8E0}"/>
+              </a:ext>
+            </a:extLst>
+          </p:cNvPr>
+          <p:cNvGraphicFramePr>
+            <a:graphicFrameLocks noGrp="1"/>
+          </p:cNvGraphicFramePr>
+          <p:nvPr>
+            <p:extLst>
+              <p:ext uri="{D42A27DB-BD31-4B8C-83A1-F6EECF244321}">
+                <p14:modId xmlns:p14="http://schemas.microsoft.com/office/powerpoint/2010/main" val="1699285990"/>
+              </p:ext>
+            </p:extLst>
+          </p:nvPr>
+        </p:nvGraphicFramePr>
+        <p:xfrm>
+          <a:off x="6096000" y="2469498"/>
+          <a:ext cx="5344158" cy="2494280"/>
+        </p:xfrm>
+        <a:graphic>
+          <a:graphicData uri="http://schemas.openxmlformats.org/drawingml/2006/table">
+            <a:tbl>
+              <a:tblPr firstRow="1" bandRow="1">
+                <a:tableStyleId>{0E3FDE45-AF77-4B5C-9715-49D594BDF05E}</a:tableStyleId>
+              </a:tblPr>
+              <a:tblGrid>
+                <a:gridCol w="1781386">
+                  <a:extLst>
+                    <a:ext uri="{9D8B030D-6E8A-4147-A177-3AD203B41FA5}">
+                      <a16:colId xmlns:a16="http://schemas.microsoft.com/office/drawing/2014/main" val="2873865349"/>
+                    </a:ext>
+                  </a:extLst>
+                </a:gridCol>
+                <a:gridCol w="1781386">
+                  <a:extLst>
+                    <a:ext uri="{9D8B030D-6E8A-4147-A177-3AD203B41FA5}">
+                      <a16:colId xmlns:a16="http://schemas.microsoft.com/office/drawing/2014/main" val="3066498749"/>
+                    </a:ext>
+                  </a:extLst>
+                </a:gridCol>
+                <a:gridCol w="1781386">
+                  <a:extLst>
+                    <a:ext uri="{9D8B030D-6E8A-4147-A177-3AD203B41FA5}">
+                      <a16:colId xmlns:a16="http://schemas.microsoft.com/office/drawing/2014/main" val="3754050314"/>
+                    </a:ext>
+                  </a:extLst>
+                </a:gridCol>
+              </a:tblGrid>
+              <a:tr h="370840">
+                <a:tc>
+                  <a:txBody>
+                    <a:bodyPr/>
+                    <a:lstStyle/>
+                    <a:p>
+                      <a:r>
+                        <a:rPr lang="it-IT" dirty="0"/>
+                        <a:t>Armoniche ore</a:t>
+                      </a:r>
+                    </a:p>
+                  </a:txBody>
+                  <a:tcPr/>
+                </a:tc>
+                <a:tc>
+                  <a:txBody>
+                    <a:bodyPr/>
+                    <a:lstStyle/>
+                    <a:p>
+                      <a:r>
+                        <a:rPr lang="it-IT" dirty="0"/>
+                        <a:t>Armoniche giorni</a:t>
+                      </a:r>
+                    </a:p>
+                  </a:txBody>
+                  <a:tcPr/>
+                </a:tc>
+                <a:tc>
+                  <a:txBody>
+                    <a:bodyPr/>
+                    <a:lstStyle/>
+                    <a:p>
+                      <a:r>
+                        <a:rPr lang="it-IT" dirty="0"/>
+                        <a:t>SSR validazione</a:t>
+                      </a:r>
+                    </a:p>
+                  </a:txBody>
+                  <a:tcPr/>
+                </a:tc>
+                <a:extLst>
+                  <a:ext uri="{0D108BD9-81ED-4DB2-BD59-A6C34878D82A}">
+                    <a16:rowId xmlns:a16="http://schemas.microsoft.com/office/drawing/2014/main" val="982913047"/>
+                  </a:ext>
+                </a:extLst>
+              </a:tr>
+              <a:tr h="370840">
+                <a:tc>
+                  <a:txBody>
+                    <a:bodyPr/>
+                    <a:lstStyle/>
+                    <a:p>
+                      <a:r>
+                        <a:rPr lang="it-IT" dirty="0"/>
+                        <a:t>10</a:t>
+                      </a:r>
+                    </a:p>
+                  </a:txBody>
+                  <a:tcPr/>
+                </a:tc>
+                <a:tc>
+                  <a:txBody>
+                    <a:bodyPr/>
+                    <a:lstStyle/>
+                    <a:p>
+                      <a:r>
+                        <a:rPr lang="it-IT" dirty="0"/>
+                        <a:t>6</a:t>
+                      </a:r>
+                    </a:p>
+                  </a:txBody>
+                  <a:tcPr/>
+                </a:tc>
+                <a:tc>
+                  <a:txBody>
+                    <a:bodyPr/>
+                    <a:lstStyle/>
+                    <a:p>
+                      <a:r>
+                        <a:rPr lang="it-IT" sz="1800" dirty="0"/>
+                        <a:t>3.3668</a:t>
+                      </a:r>
+                      <a:r>
+                        <a:rPr lang="it-IT" sz="1800" kern="1200" dirty="0">
+                          <a:effectLst/>
+                        </a:rPr>
+                        <a:t>*10</a:t>
+                      </a:r>
+                      <a:r>
+                        <a:rPr lang="it-IT" sz="1800" kern="1200" baseline="30000" dirty="0">
+                          <a:effectLst/>
+                        </a:rPr>
+                        <a:t>9</a:t>
+                      </a:r>
+                      <a:endParaRPr lang="it-IT" dirty="0"/>
+                    </a:p>
+                  </a:txBody>
+                  <a:tcPr/>
+                </a:tc>
+                <a:extLst>
+                  <a:ext uri="{0D108BD9-81ED-4DB2-BD59-A6C34878D82A}">
+                    <a16:rowId xmlns:a16="http://schemas.microsoft.com/office/drawing/2014/main" val="3381919440"/>
+                  </a:ext>
+                </a:extLst>
+              </a:tr>
+              <a:tr h="370840">
+                <a:tc>
+                  <a:txBody>
+                    <a:bodyPr/>
+                    <a:lstStyle/>
+                    <a:p>
+                      <a:r>
+                        <a:rPr lang="it-IT" dirty="0"/>
+                        <a:t>10</a:t>
+                      </a:r>
+                    </a:p>
+                  </a:txBody>
+                  <a:tcPr/>
+                </a:tc>
+                <a:tc>
+                  <a:txBody>
+                    <a:bodyPr/>
+                    <a:lstStyle/>
+                    <a:p>
+                      <a:r>
+                        <a:rPr lang="it-IT" b="1" dirty="0"/>
+                        <a:t>5</a:t>
+                      </a:r>
+                    </a:p>
+                  </a:txBody>
+                  <a:tcPr/>
+                </a:tc>
+                <a:tc>
+                  <a:txBody>
+                    <a:bodyPr/>
+                    <a:lstStyle/>
+                    <a:p>
+                      <a:r>
+                        <a:rPr lang="it-IT" sz="1800" dirty="0"/>
+                        <a:t>3.2715</a:t>
+                      </a:r>
+                      <a:r>
+                        <a:rPr lang="it-IT" sz="1800" kern="1200" dirty="0">
+                          <a:effectLst/>
+                        </a:rPr>
+                        <a:t>*10</a:t>
+                      </a:r>
+                      <a:r>
+                        <a:rPr lang="it-IT" sz="1800" kern="1200" baseline="30000" dirty="0">
+                          <a:effectLst/>
+                        </a:rPr>
+                        <a:t>9</a:t>
+                      </a:r>
+                      <a:endParaRPr lang="it-IT" dirty="0"/>
+                    </a:p>
+                  </a:txBody>
+                  <a:tcPr/>
+                </a:tc>
+                <a:extLst>
+                  <a:ext uri="{0D108BD9-81ED-4DB2-BD59-A6C34878D82A}">
+                    <a16:rowId xmlns:a16="http://schemas.microsoft.com/office/drawing/2014/main" val="856693130"/>
+                  </a:ext>
+                </a:extLst>
+              </a:tr>
+              <a:tr h="370840">
+                <a:tc>
+                  <a:txBody>
+                    <a:bodyPr/>
+                    <a:lstStyle/>
+                    <a:p>
+                      <a:r>
+                        <a:rPr lang="it-IT" dirty="0"/>
+                        <a:t>10</a:t>
+                      </a:r>
+                    </a:p>
+                  </a:txBody>
+                  <a:tcPr/>
+                </a:tc>
+                <a:tc>
+                  <a:txBody>
+                    <a:bodyPr/>
+                    <a:lstStyle/>
+                    <a:p>
+                      <a:r>
+                        <a:rPr lang="it-IT" dirty="0"/>
+                        <a:t>4</a:t>
+                      </a:r>
+                    </a:p>
+                  </a:txBody>
+                  <a:tcPr/>
+                </a:tc>
+                <a:tc>
+                  <a:txBody>
+                    <a:bodyPr/>
+                    <a:lstStyle/>
+                    <a:p>
+                      <a:r>
+                        <a:rPr lang="it-IT" sz="1800" dirty="0"/>
+                        <a:t>3.3077</a:t>
+                      </a:r>
+                      <a:r>
+                        <a:rPr lang="it-IT" sz="1800" kern="1200" dirty="0">
+                          <a:effectLst/>
+                        </a:rPr>
+                        <a:t>*10</a:t>
+                      </a:r>
+                      <a:r>
+                        <a:rPr lang="it-IT" sz="1800" kern="1200" baseline="30000" dirty="0">
+                          <a:effectLst/>
+                        </a:rPr>
+                        <a:t>9</a:t>
+                      </a:r>
+                      <a:endParaRPr lang="it-IT" dirty="0"/>
+                    </a:p>
+                  </a:txBody>
+                  <a:tcPr/>
+                </a:tc>
+                <a:extLst>
+                  <a:ext uri="{0D108BD9-81ED-4DB2-BD59-A6C34878D82A}">
+                    <a16:rowId xmlns:a16="http://schemas.microsoft.com/office/drawing/2014/main" val="2452482781"/>
+                  </a:ext>
+                </a:extLst>
+              </a:tr>
+              <a:tr h="370840">
+                <a:tc>
+                  <a:txBody>
+                    <a:bodyPr/>
+                    <a:lstStyle/>
+                    <a:p>
+                      <a:r>
+                        <a:rPr lang="it-IT" b="1" dirty="0">
+                          <a:solidFill>
+                            <a:srgbClr val="FF0000"/>
+                          </a:solidFill>
+                          <a:effectLst>
+                            <a:outerShdw blurRad="38100" dist="38100" dir="2700000" algn="tl">
+                              <a:srgbClr val="000000">
+                                <a:alpha val="43137"/>
+                              </a:srgbClr>
+                            </a:outerShdw>
+                          </a:effectLst>
+                        </a:rPr>
+                        <a:t>9</a:t>
+                      </a:r>
+                    </a:p>
+                  </a:txBody>
+                  <a:tcPr/>
+                </a:tc>
+                <a:tc>
+                  <a:txBody>
+                    <a:bodyPr/>
+                    <a:lstStyle/>
+                    <a:p>
+                      <a:r>
+                        <a:rPr lang="it-IT" b="1" dirty="0">
+                          <a:solidFill>
+                            <a:srgbClr val="FF0000"/>
+                          </a:solidFill>
+                          <a:effectLst>
+                            <a:outerShdw blurRad="38100" dist="38100" dir="2700000" algn="tl">
+                              <a:srgbClr val="000000">
+                                <a:alpha val="43137"/>
+                              </a:srgbClr>
+                            </a:outerShdw>
+                          </a:effectLst>
+                        </a:rPr>
+                        <a:t>5</a:t>
+                      </a:r>
+                    </a:p>
+                  </a:txBody>
+                  <a:tcPr/>
+                </a:tc>
+                <a:tc>
+                  <a:txBody>
+                    <a:bodyPr/>
+                    <a:lstStyle/>
+                    <a:p>
+                      <a:r>
+                        <a:rPr lang="it-IT" sz="1800" dirty="0">
+                          <a:solidFill>
+                            <a:srgbClr val="FF0000"/>
+                          </a:solidFill>
+                          <a:effectLst>
+                            <a:outerShdw blurRad="38100" dist="38100" dir="2700000" algn="tl">
+                              <a:srgbClr val="000000">
+                                <a:alpha val="43137"/>
+                              </a:srgbClr>
+                            </a:outerShdw>
+                          </a:effectLst>
+                        </a:rPr>
+                        <a:t>3.2710</a:t>
+                      </a:r>
+                      <a:r>
+                        <a:rPr lang="it-IT" sz="1800" kern="1200" dirty="0">
+                          <a:solidFill>
+                            <a:srgbClr val="FF0000"/>
+                          </a:solidFill>
+                          <a:effectLst>
+                            <a:outerShdw blurRad="38100" dist="38100" dir="2700000" algn="tl">
+                              <a:srgbClr val="000000">
+                                <a:alpha val="43137"/>
+                              </a:srgbClr>
+                            </a:outerShdw>
+                          </a:effectLst>
+                        </a:rPr>
+                        <a:t>*10</a:t>
+                      </a:r>
+                      <a:r>
+                        <a:rPr lang="it-IT" sz="1800" kern="1200" baseline="30000" dirty="0">
+                          <a:solidFill>
+                            <a:srgbClr val="FF0000"/>
+                          </a:solidFill>
+                          <a:effectLst>
+                            <a:outerShdw blurRad="38100" dist="38100" dir="2700000" algn="tl">
+                              <a:srgbClr val="000000">
+                                <a:alpha val="43137"/>
+                              </a:srgbClr>
+                            </a:outerShdw>
+                          </a:effectLst>
+                        </a:rPr>
+                        <a:t>9</a:t>
+                      </a:r>
+                      <a:endParaRPr lang="it-IT" dirty="0">
+                        <a:solidFill>
+                          <a:srgbClr val="FF0000"/>
+                        </a:solidFill>
+                        <a:effectLst>
+                          <a:outerShdw blurRad="38100" dist="38100" dir="2700000" algn="tl">
+                            <a:srgbClr val="000000">
+                              <a:alpha val="43137"/>
+                            </a:srgbClr>
+                          </a:outerShdw>
+                        </a:effectLst>
+                      </a:endParaRPr>
+                    </a:p>
+                  </a:txBody>
+                  <a:tcPr/>
+                </a:tc>
+                <a:extLst>
+                  <a:ext uri="{0D108BD9-81ED-4DB2-BD59-A6C34878D82A}">
+                    <a16:rowId xmlns:a16="http://schemas.microsoft.com/office/drawing/2014/main" val="3620326857"/>
+                  </a:ext>
+                </a:extLst>
+              </a:tr>
+              <a:tr h="370840">
+                <a:tc>
+                  <a:txBody>
+                    <a:bodyPr/>
+                    <a:lstStyle/>
+                    <a:p>
+                      <a:r>
+                        <a:rPr lang="it-IT" dirty="0"/>
+                        <a:t>11</a:t>
+                      </a:r>
+                    </a:p>
+                  </a:txBody>
+                  <a:tcPr/>
+                </a:tc>
+                <a:tc>
+                  <a:txBody>
+                    <a:bodyPr/>
+                    <a:lstStyle/>
+                    <a:p>
+                      <a:r>
+                        <a:rPr lang="it-IT" dirty="0"/>
+                        <a:t>6</a:t>
+                      </a:r>
+                    </a:p>
+                  </a:txBody>
+                  <a:tcPr/>
+                </a:tc>
+                <a:tc>
+                  <a:txBody>
+                    <a:bodyPr/>
+                    <a:lstStyle/>
+                    <a:p>
+                      <a:r>
+                        <a:rPr lang="it-IT" sz="1800" dirty="0"/>
+                        <a:t>3.2783</a:t>
+                      </a:r>
+                      <a:r>
+                        <a:rPr lang="it-IT" sz="1800" kern="1200" dirty="0">
+                          <a:effectLst/>
+                        </a:rPr>
+                        <a:t>*10</a:t>
+                      </a:r>
+                      <a:r>
+                        <a:rPr lang="it-IT" sz="1800" kern="1200" baseline="30000" dirty="0">
+                          <a:effectLst/>
+                        </a:rPr>
+                        <a:t>9</a:t>
+                      </a:r>
+                      <a:endParaRPr lang="it-IT" dirty="0"/>
+                    </a:p>
+                  </a:txBody>
+                  <a:tcPr/>
+                </a:tc>
+                <a:extLst>
+                  <a:ext uri="{0D108BD9-81ED-4DB2-BD59-A6C34878D82A}">
+                    <a16:rowId xmlns:a16="http://schemas.microsoft.com/office/drawing/2014/main" val="892880365"/>
+                  </a:ext>
+                </a:extLst>
+              </a:tr>
+            </a:tbl>
+          </a:graphicData>
+        </a:graphic>
+      </p:graphicFrame>
+      <p:sp>
+        <p:nvSpPr>
+          <p:cNvPr id="7" name="CasellaDiTesto 6">
+            <a:extLst>
+              <a:ext uri="{FF2B5EF4-FFF2-40B4-BE49-F238E27FC236}">
+                <a16:creationId xmlns:a16="http://schemas.microsoft.com/office/drawing/2014/main" id="{F1C18400-31B7-4465-8DE0-7B1D854BD18D}"/>
+              </a:ext>
+            </a:extLst>
+          </p:cNvPr>
+          <p:cNvSpPr txBox="1"/>
+          <p:nvPr/>
+        </p:nvSpPr>
+        <p:spPr>
+          <a:xfrm>
+            <a:off x="614681" y="1630728"/>
+            <a:ext cx="4983480" cy="646331"/>
+          </a:xfrm>
+          <a:prstGeom prst="rect">
+            <a:avLst/>
+          </a:prstGeom>
+          <a:noFill/>
+        </p:spPr>
+        <p:txBody>
+          <a:bodyPr wrap="square" rtlCol="0">
+            <a:spAutoFit/>
+          </a:bodyPr>
+          <a:lstStyle/>
+          <a:p>
+            <a:r>
+              <a:rPr lang="it-IT" dirty="0"/>
+              <a:t>Primo anno validazione, secondo anno identificazione</a:t>
+            </a:r>
+          </a:p>
+        </p:txBody>
+      </p:sp>
+      <p:sp>
+        <p:nvSpPr>
+          <p:cNvPr id="8" name="CasellaDiTesto 7">
+            <a:extLst>
+              <a:ext uri="{FF2B5EF4-FFF2-40B4-BE49-F238E27FC236}">
+                <a16:creationId xmlns:a16="http://schemas.microsoft.com/office/drawing/2014/main" id="{86B86BA7-4618-4E67-8344-9B3A22ABD4E8}"/>
+              </a:ext>
+            </a:extLst>
+          </p:cNvPr>
+          <p:cNvSpPr txBox="1"/>
+          <p:nvPr/>
+        </p:nvSpPr>
+        <p:spPr>
+          <a:xfrm>
+            <a:off x="6096000" y="1630727"/>
+            <a:ext cx="4983480" cy="646331"/>
+          </a:xfrm>
+          <a:prstGeom prst="rect">
+            <a:avLst/>
+          </a:prstGeom>
+          <a:noFill/>
+        </p:spPr>
+        <p:txBody>
+          <a:bodyPr wrap="square" rtlCol="0">
+            <a:spAutoFit/>
+          </a:bodyPr>
+          <a:lstStyle/>
+          <a:p>
+            <a:r>
+              <a:rPr lang="it-IT" dirty="0"/>
+              <a:t>Primo anno identificazione, secondo anno validazione</a:t>
+            </a:r>
+          </a:p>
+        </p:txBody>
+      </p:sp>
+      <p:sp>
+        <p:nvSpPr>
+          <p:cNvPr id="9" name="Rettangolo 8">
+            <a:extLst>
+              <a:ext uri="{FF2B5EF4-FFF2-40B4-BE49-F238E27FC236}">
+                <a16:creationId xmlns:a16="http://schemas.microsoft.com/office/drawing/2014/main" id="{3FEA1DFA-6344-4F02-B856-D5F8DCB43BE9}"/>
+              </a:ext>
+            </a:extLst>
+          </p:cNvPr>
+          <p:cNvSpPr/>
+          <p:nvPr/>
+        </p:nvSpPr>
+        <p:spPr>
+          <a:xfrm>
+            <a:off x="614681" y="5770744"/>
+            <a:ext cx="11205844" cy="923330"/>
+          </a:xfrm>
+          <a:prstGeom prst="rect">
+            <a:avLst/>
+          </a:prstGeom>
+        </p:spPr>
+        <p:txBody>
+          <a:bodyPr wrap="square">
+            <a:spAutoFit/>
+          </a:bodyPr>
+          <a:lstStyle/>
+          <a:p>
+            <a:r>
+              <a:rPr lang="it-IT" dirty="0">
+                <a:solidFill>
+                  <a:schemeClr val="accent6">
+                    <a:lumMod val="75000"/>
+                  </a:schemeClr>
+                </a:solidFill>
+                <a:effectLst>
+                  <a:outerShdw blurRad="38100" dist="38100" dir="2700000" algn="tl">
+                    <a:srgbClr val="000000">
+                      <a:alpha val="43137"/>
+                    </a:srgbClr>
+                  </a:outerShdw>
+                </a:effectLst>
+              </a:rPr>
+              <a:t>OSSERVAZIONE</a:t>
+            </a:r>
+          </a:p>
+          <a:p>
+            <a:r>
+              <a:rPr lang="it-IT" dirty="0"/>
+              <a:t>Nella prima tabella l’SSR aumenta di poco passando da 11 a 9 armoniche per le ore, si sceglie quindi questo secondo caso. Scelta finale: </a:t>
+            </a:r>
+            <a:r>
+              <a:rPr lang="it-IT" dirty="0">
+                <a:effectLst>
+                  <a:outerShdw blurRad="38100" dist="38100" dir="2700000" algn="tl">
+                    <a:srgbClr val="000000">
+                      <a:alpha val="43137"/>
+                    </a:srgbClr>
+                  </a:outerShdw>
+                </a:effectLst>
+              </a:rPr>
+              <a:t>9 armoniche per le ore, 5 per i giorni.</a:t>
+            </a:r>
+          </a:p>
+        </p:txBody>
+      </p:sp>
+    </p:spTree>
+    <p:extLst>
+      <p:ext uri="{BB962C8B-B14F-4D97-AF65-F5344CB8AC3E}">
+        <p14:creationId xmlns:p14="http://schemas.microsoft.com/office/powerpoint/2010/main" val="2689420838"/>
+      </p:ext>
+    </p:extLst>
+  </p:cSld>
+  <p:clrMapOvr>
+    <a:masterClrMapping/>
+  </p:clrMapOvr>
+</p:sld>
+</file>
+
+<file path=ppt/slides/slide21.xml><?xml version="1.0" encoding="utf-8"?>
 <p:sld xmlns:a="http://schemas.openxmlformats.org/drawingml/2006/main" xmlns:r="http://schemas.openxmlformats.org/officeDocument/2006/relationships" xmlns:p="http://schemas.openxmlformats.org/presentationml/2006/main">
   <p:cSld>
     <p:spTree>
@@ -8109,8 +9429,8 @@
         </p:blipFill>
         <p:spPr>
           <a:xfrm>
-            <a:off x="1071557" y="1657261"/>
-            <a:ext cx="10048875" cy="5172075"/>
+            <a:off x="1334258" y="1840703"/>
+            <a:ext cx="9708203" cy="4996734"/>
           </a:xfrm>
           <a:prstGeom prst="rect">
             <a:avLst/>
@@ -8233,7 +9553,7 @@
         </p:nvSpPr>
         <p:spPr>
           <a:xfrm>
-            <a:off x="1885950" y="1174061"/>
+            <a:off x="736411" y="1132817"/>
             <a:ext cx="10306050" cy="707886"/>
           </a:xfrm>
           <a:prstGeom prst="rect">
@@ -8250,7 +9570,14 @@
             <a:pPr algn="r"/>
             <a:r>
               <a:rPr lang="it-IT" sz="2000" dirty="0"/>
-              <a:t>Come anticipato, si sommano i due modelli precedenti e, ad essi, si somma il trend previsto.</a:t>
+              <a:t>Come anticipato, </a:t>
+            </a:r>
+          </a:p>
+          <a:p>
+            <a:pPr algn="r"/>
+            <a:r>
+              <a:rPr lang="it-IT" sz="2000" dirty="0"/>
+              <a:t>si sommano i due modelli precedenti e, ad essi, si somma il trend previsto.</a:t>
             </a:r>
           </a:p>
         </p:txBody>
@@ -8268,7 +9595,7 @@
 </p:sld>
 </file>
 
-<file path=ppt/slides/slide21.xml><?xml version="1.0" encoding="utf-8"?>
+<file path=ppt/slides/slide22.xml><?xml version="1.0" encoding="utf-8"?>
 <p:sld xmlns:a="http://schemas.openxmlformats.org/drawingml/2006/main" xmlns:r="http://schemas.openxmlformats.org/officeDocument/2006/relationships" xmlns:p="http://schemas.openxmlformats.org/presentationml/2006/main">
   <p:cSld>
     <p:spTree>
@@ -8313,8 +9640,8 @@
         </p:blipFill>
         <p:spPr>
           <a:xfrm>
-            <a:off x="99278" y="1458848"/>
-            <a:ext cx="10526594" cy="2734057"/>
+            <a:off x="601102" y="1447032"/>
+            <a:ext cx="10989796" cy="2854364"/>
           </a:xfrm>
           <a:prstGeom prst="rect">
             <a:avLst/>
@@ -8336,30 +9663,30 @@
           <p:nvPr>
             <p:extLst>
               <p:ext uri="{D42A27DB-BD31-4B8C-83A1-F6EECF244321}">
-                <p14:modId xmlns:p14="http://schemas.microsoft.com/office/powerpoint/2010/main" val="1022797000"/>
+                <p14:modId xmlns:p14="http://schemas.microsoft.com/office/powerpoint/2010/main" val="2641522073"/>
               </p:ext>
             </p:extLst>
           </p:nvPr>
         </p:nvGraphicFramePr>
         <p:xfrm>
-          <a:off x="6214328" y="4021455"/>
-          <a:ext cx="5291872" cy="2560320"/>
+          <a:off x="601102" y="4448175"/>
+          <a:ext cx="10910178" cy="2133600"/>
         </p:xfrm>
         <a:graphic>
           <a:graphicData uri="http://schemas.openxmlformats.org/drawingml/2006/table">
             <a:tbl>
               <a:tblPr firstRow="1" bandRow="1">
-                <a:tableStyleId>{9DCAF9ED-07DC-4A11-8D7F-57B35C25682E}</a:tableStyleId>
+                <a:tableStyleId>{3B4B98B0-60AC-42C2-AFA5-B58CD77FA1E5}</a:tableStyleId>
               </a:tblPr>
               <a:tblGrid>
-                <a:gridCol w="2645936">
+                <a:gridCol w="5455089">
                   <a:extLst>
                     <a:ext uri="{9D8B030D-6E8A-4147-A177-3AD203B41FA5}">
                       <a16:colId xmlns:a16="http://schemas.microsoft.com/office/drawing/2014/main" val="1788825367"/>
                     </a:ext>
                   </a:extLst>
                 </a:gridCol>
-                <a:gridCol w="2645936">
+                <a:gridCol w="5455089">
                   <a:extLst>
                     <a:ext uri="{9D8B030D-6E8A-4147-A177-3AD203B41FA5}">
                       <a16:colId xmlns:a16="http://schemas.microsoft.com/office/drawing/2014/main" val="2862232018"/>
@@ -8367,13 +9694,17 @@
                   </a:extLst>
                 </a:gridCol>
               </a:tblGrid>
-              <a:tr h="0">
+              <a:tr h="298722">
                 <a:tc>
                   <a:txBody>
                     <a:bodyPr/>
                     <a:lstStyle/>
                     <a:p>
-                      <a:endParaRPr lang="it-IT" dirty="0"/>
+                      <a:pPr algn="ctr"/>
+                      <a:r>
+                        <a:rPr lang="it-IT" sz="1400" b="0" dirty="0"/>
+                        <a:t>TEST</a:t>
+                      </a:r>
                     </a:p>
                   </a:txBody>
                   <a:tcPr/>
@@ -8383,7 +9714,11 @@
                     <a:bodyPr/>
                     <a:lstStyle/>
                     <a:p>
-                      <a:endParaRPr lang="it-IT" dirty="0"/>
+                      <a:pPr algn="ctr"/>
+                      <a:r>
+                        <a:rPr lang="it-IT" sz="1400" b="0" dirty="0"/>
+                        <a:t>VALORE</a:t>
+                      </a:r>
                     </a:p>
                   </a:txBody>
                   <a:tcPr/>
@@ -8394,14 +9729,14 @@
                   </a:ext>
                 </a:extLst>
               </a:tr>
-              <a:tr h="0">
+              <a:tr h="298722">
                 <a:tc>
                   <a:txBody>
                     <a:bodyPr/>
                     <a:lstStyle/>
                     <a:p>
                       <a:r>
-                        <a:rPr lang="it-IT" dirty="0"/>
+                        <a:rPr lang="it-IT" sz="1400" dirty="0"/>
                         <a:t>SSR</a:t>
                       </a:r>
                     </a:p>
@@ -8431,34 +9766,22 @@
                         <a:defRPr/>
                       </a:pPr>
                       <a:r>
-                        <a:rPr lang="it-IT" dirty="0"/>
+                        <a:rPr lang="it-IT" sz="1400" dirty="0"/>
                         <a:t>3.27</a:t>
                       </a:r>
                       <a:r>
-                        <a:rPr lang="it-IT" sz="1800" kern="1200" dirty="0">
-                          <a:solidFill>
-                            <a:schemeClr val="dk1"/>
-                          </a:solidFill>
+                        <a:rPr lang="it-IT" sz="1400" kern="1200" dirty="0">
                           <a:effectLst/>
-                          <a:latin typeface="+mn-lt"/>
-                          <a:ea typeface="+mn-ea"/>
-                          <a:cs typeface="+mn-cs"/>
                         </a:rPr>
                         <a:t>*10</a:t>
                       </a:r>
                       <a:r>
-                        <a:rPr lang="it-IT" sz="1800" kern="1200" baseline="30000" dirty="0">
-                          <a:solidFill>
-                            <a:schemeClr val="dk1"/>
-                          </a:solidFill>
+                        <a:rPr lang="it-IT" sz="1400" kern="1200" baseline="30000" dirty="0">
                           <a:effectLst/>
-                          <a:latin typeface="+mn-lt"/>
-                          <a:ea typeface="+mn-ea"/>
-                          <a:cs typeface="+mn-cs"/>
                         </a:rPr>
                         <a:t>9</a:t>
                       </a:r>
-                      <a:endParaRPr lang="it-IT" sz="1800" kern="1200" dirty="0">
+                      <a:endParaRPr lang="it-IT" sz="1400" kern="1200" dirty="0">
                         <a:solidFill>
                           <a:schemeClr val="dk1"/>
                         </a:solidFill>
@@ -8477,14 +9800,14 @@
                   </a:ext>
                 </a:extLst>
               </a:tr>
-              <a:tr h="0">
+              <a:tr h="298722">
                 <a:tc>
                   <a:txBody>
                     <a:bodyPr/>
                     <a:lstStyle/>
                     <a:p>
                       <a:r>
-                        <a:rPr lang="it-IT" dirty="0"/>
+                        <a:rPr lang="it-IT" sz="1400" dirty="0"/>
                         <a:t>MSE</a:t>
                       </a:r>
                     </a:p>
@@ -8514,34 +9837,22 @@
                         <a:defRPr/>
                       </a:pPr>
                       <a:r>
-                        <a:rPr lang="it-IT" dirty="0"/>
+                        <a:rPr lang="it-IT" sz="1400" dirty="0"/>
                         <a:t>3.19*</a:t>
                       </a:r>
                       <a:r>
-                        <a:rPr lang="it-IT" sz="1800" kern="1200" dirty="0">
-                          <a:solidFill>
-                            <a:schemeClr val="dk1"/>
-                          </a:solidFill>
+                        <a:rPr lang="it-IT" sz="1400" kern="1200" dirty="0">
                           <a:effectLst/>
-                          <a:latin typeface="+mn-lt"/>
-                          <a:ea typeface="+mn-ea"/>
-                          <a:cs typeface="+mn-cs"/>
                         </a:rPr>
                         <a:t>10</a:t>
                       </a:r>
                       <a:r>
-                        <a:rPr lang="it-IT" sz="1800" kern="1200" baseline="30000" dirty="0">
-                          <a:solidFill>
-                            <a:schemeClr val="dk1"/>
-                          </a:solidFill>
+                        <a:rPr lang="it-IT" sz="1400" kern="1200" baseline="30000" dirty="0">
                           <a:effectLst/>
-                          <a:latin typeface="+mn-lt"/>
-                          <a:ea typeface="+mn-ea"/>
-                          <a:cs typeface="+mn-cs"/>
                         </a:rPr>
                         <a:t>6</a:t>
                       </a:r>
-                      <a:endParaRPr lang="it-IT" sz="1800" kern="1200" dirty="0">
+                      <a:endParaRPr lang="it-IT" sz="1400" kern="1200" dirty="0">
                         <a:solidFill>
                           <a:schemeClr val="dk1"/>
                         </a:solidFill>
@@ -8560,14 +9871,14 @@
                   </a:ext>
                 </a:extLst>
               </a:tr>
-              <a:tr h="0">
+              <a:tr h="298722">
                 <a:tc>
                   <a:txBody>
                     <a:bodyPr/>
                     <a:lstStyle/>
                     <a:p>
                       <a:r>
-                        <a:rPr lang="it-IT" dirty="0"/>
+                        <a:rPr lang="it-IT" sz="1400" dirty="0"/>
                         <a:t>RMSD</a:t>
                       </a:r>
                     </a:p>
@@ -8597,33 +9908,30 @@
                         <a:defRPr/>
                       </a:pPr>
                       <a:r>
-                        <a:rPr lang="it-IT" dirty="0"/>
+                        <a:rPr lang="it-IT" sz="1400" dirty="0"/>
                         <a:t>1.79*</a:t>
                       </a:r>
                       <a:r>
-                        <a:rPr lang="it-IT" sz="1800" kern="1200" dirty="0">
-                          <a:solidFill>
-                            <a:schemeClr val="dk1"/>
-                          </a:solidFill>
+                        <a:rPr lang="it-IT" sz="1400" kern="1200" dirty="0">
                           <a:effectLst/>
-                          <a:latin typeface="+mn-lt"/>
-                          <a:ea typeface="+mn-ea"/>
-                          <a:cs typeface="+mn-cs"/>
                         </a:rPr>
                         <a:t>10</a:t>
                       </a:r>
                       <a:r>
-                        <a:rPr lang="it-IT" sz="1800" kern="1200" baseline="30000" dirty="0">
-                          <a:solidFill>
-                            <a:schemeClr val="dk1"/>
-                          </a:solidFill>
+                        <a:rPr lang="it-IT" sz="1400" kern="1200" baseline="30000" dirty="0">
                           <a:effectLst/>
-                          <a:latin typeface="+mn-lt"/>
-                          <a:ea typeface="+mn-ea"/>
-                          <a:cs typeface="+mn-cs"/>
                         </a:rPr>
                         <a:t>3</a:t>
                       </a:r>
+                      <a:endParaRPr lang="it-IT" sz="1400" kern="1200" baseline="30000" dirty="0">
+                        <a:solidFill>
+                          <a:schemeClr val="dk1"/>
+                        </a:solidFill>
+                        <a:effectLst/>
+                        <a:latin typeface="+mn-lt"/>
+                        <a:ea typeface="+mn-ea"/>
+                        <a:cs typeface="+mn-cs"/>
+                      </a:endParaRPr>
                     </a:p>
                   </a:txBody>
                   <a:tcPr/>
@@ -8634,14 +9942,14 @@
                   </a:ext>
                 </a:extLst>
               </a:tr>
-              <a:tr h="0">
+              <a:tr h="298722">
                 <a:tc>
                   <a:txBody>
                     <a:bodyPr/>
                     <a:lstStyle/>
                     <a:p>
                       <a:r>
-                        <a:rPr lang="it-IT" dirty="0"/>
+                        <a:rPr lang="it-IT" sz="1400" dirty="0"/>
                         <a:t>NRMSD (media)</a:t>
                       </a:r>
                     </a:p>
@@ -8654,7 +9962,7 @@
                     <a:lstStyle/>
                     <a:p>
                       <a:r>
-                        <a:rPr lang="it-IT" dirty="0"/>
+                        <a:rPr lang="it-IT" sz="1400" dirty="0"/>
                         <a:t>6.23%</a:t>
                       </a:r>
                     </a:p>
@@ -8667,14 +9975,14 @@
                   </a:ext>
                 </a:extLst>
               </a:tr>
-              <a:tr h="0">
+              <a:tr h="298722">
                 <a:tc>
                   <a:txBody>
                     <a:bodyPr/>
                     <a:lstStyle/>
                     <a:p>
                       <a:r>
-                        <a:rPr lang="it-IT" dirty="0"/>
+                        <a:rPr lang="it-IT" sz="1400" dirty="0"/>
                         <a:t>NRMSD (range)</a:t>
                       </a:r>
                     </a:p>
@@ -8687,7 +9995,7 @@
                     <a:lstStyle/>
                     <a:p>
                       <a:r>
-                        <a:rPr lang="it-IT" dirty="0"/>
+                        <a:rPr lang="it-IT" sz="1400" dirty="0"/>
                         <a:t>3.64%</a:t>
                       </a:r>
                     </a:p>
@@ -8700,14 +10008,14 @@
                   </a:ext>
                 </a:extLst>
               </a:tr>
-              <a:tr h="0">
+              <a:tr h="298722">
                 <a:tc>
                   <a:txBody>
                     <a:bodyPr/>
                     <a:lstStyle/>
                     <a:p>
                       <a:r>
-                        <a:rPr lang="it-IT" dirty="0"/>
+                        <a:rPr lang="it-IT" sz="1400" dirty="0"/>
                         <a:t>MAE</a:t>
                       </a:r>
                     </a:p>
@@ -8737,34 +10045,22 @@
                         <a:defRPr/>
                       </a:pPr>
                       <a:r>
-                        <a:rPr lang="it-IT" dirty="0"/>
+                        <a:rPr lang="it-IT" sz="1400" dirty="0"/>
                         <a:t>1.29*</a:t>
                       </a:r>
                       <a:r>
-                        <a:rPr lang="it-IT" sz="1800" kern="1200" dirty="0">
-                          <a:solidFill>
-                            <a:schemeClr val="dk1"/>
-                          </a:solidFill>
+                        <a:rPr lang="it-IT" sz="1400" kern="1200" dirty="0">
                           <a:effectLst/>
-                          <a:latin typeface="+mn-lt"/>
-                          <a:ea typeface="+mn-ea"/>
-                          <a:cs typeface="+mn-cs"/>
                         </a:rPr>
                         <a:t>10</a:t>
                       </a:r>
                       <a:r>
-                        <a:rPr lang="it-IT" sz="1800" kern="1200" baseline="30000" dirty="0">
-                          <a:solidFill>
-                            <a:schemeClr val="dk1"/>
-                          </a:solidFill>
+                        <a:rPr lang="it-IT" sz="1400" kern="1200" baseline="30000" dirty="0">
                           <a:effectLst/>
-                          <a:latin typeface="+mn-lt"/>
-                          <a:ea typeface="+mn-ea"/>
-                          <a:cs typeface="+mn-cs"/>
                         </a:rPr>
                         <a:t>3</a:t>
                       </a:r>
-                      <a:endParaRPr lang="it-IT" sz="1800" kern="1200" dirty="0">
+                      <a:endParaRPr lang="it-IT" sz="1400" kern="1200" dirty="0">
                         <a:solidFill>
                           <a:schemeClr val="dk1"/>
                         </a:solidFill>
@@ -8801,7 +10097,7 @@
         </p:nvSpPr>
         <p:spPr>
           <a:xfrm>
-            <a:off x="8633022" y="396358"/>
+            <a:off x="7928172" y="276225"/>
             <a:ext cx="1720653" cy="923330"/>
           </a:xfrm>
           <a:prstGeom prst="rect">
@@ -8893,81 +10189,27 @@
           <a:p>
             <a:r>
               <a:rPr lang="it-IT" dirty="0"/>
-              <a:t>Nell’identificazione vengono considerati solo i consumi relativi alle domeniche. Si nota, infatti, che questi seguono un andamento diverso rispetto agli altri giorni: </a:t>
-            </a:r>
-          </a:p>
-        </p:txBody>
-      </p:sp>
-      <p:pic>
-        <p:nvPicPr>
-          <p:cNvPr id="8" name="Segnaposto contenuto 7">
-            <a:extLst>
-              <a:ext uri="{FF2B5EF4-FFF2-40B4-BE49-F238E27FC236}">
-                <a16:creationId xmlns:a16="http://schemas.microsoft.com/office/drawing/2014/main" id="{D128F659-A318-45FF-8F9F-CA172A3C0CB2}"/>
-              </a:ext>
-            </a:extLst>
-          </p:cNvPr>
-          <p:cNvPicPr>
-            <a:picLocks noGrp="1" noChangeAspect="1"/>
-          </p:cNvPicPr>
-          <p:nvPr>
-            <p:ph sz="half" idx="2"/>
-          </p:nvPr>
-        </p:nvPicPr>
-        <p:blipFill>
-          <a:blip r:embed="rId2">
-            <a:extLst>
-              <a:ext uri="{28A0092B-C50C-407E-A947-70E740481C1C}">
-                <a14:useLocalDpi xmlns:a14="http://schemas.microsoft.com/office/drawing/2010/main" val="0"/>
-              </a:ext>
-            </a:extLst>
-          </a:blip>
-          <a:stretch>
-            <a:fillRect/>
-          </a:stretch>
-        </p:blipFill>
-        <p:spPr>
-          <a:xfrm>
-            <a:off x="245648" y="2230446"/>
-            <a:ext cx="5751927" cy="3064704"/>
-          </a:xfrm>
-        </p:spPr>
-      </p:pic>
-      <p:pic>
-        <p:nvPicPr>
-          <p:cNvPr id="10" name="Segnaposto contenuto 9">
-            <a:extLst>
-              <a:ext uri="{FF2B5EF4-FFF2-40B4-BE49-F238E27FC236}">
-                <a16:creationId xmlns:a16="http://schemas.microsoft.com/office/drawing/2014/main" id="{AF81155F-0B5C-403C-B20C-13754D75065A}"/>
-              </a:ext>
-            </a:extLst>
-          </p:cNvPr>
-          <p:cNvPicPr>
-            <a:picLocks noGrp="1" noChangeAspect="1"/>
-          </p:cNvPicPr>
-          <p:nvPr>
-            <p:ph sz="quarter" idx="4"/>
-          </p:nvPr>
-        </p:nvPicPr>
-        <p:blipFill>
-          <a:blip r:embed="rId3">
-            <a:extLst>
-              <a:ext uri="{28A0092B-C50C-407E-A947-70E740481C1C}">
-                <a14:useLocalDpi xmlns:a14="http://schemas.microsoft.com/office/drawing/2010/main" val="0"/>
-              </a:ext>
-            </a:extLst>
-          </a:blip>
-          <a:stretch>
-            <a:fillRect/>
-          </a:stretch>
-        </p:blipFill>
-        <p:spPr>
-          <a:xfrm>
-            <a:off x="6156683" y="2230446"/>
-            <a:ext cx="5789669" cy="3082567"/>
-          </a:xfrm>
-        </p:spPr>
-      </p:pic>
+              <a:t>Nell’</a:t>
+            </a:r>
+            <a:r>
+              <a:rPr lang="it-IT" dirty="0">
+                <a:effectLst>
+                  <a:outerShdw blurRad="38100" dist="38100" dir="2700000" algn="tl">
+                    <a:srgbClr val="000000">
+                      <a:alpha val="43137"/>
+                    </a:srgbClr>
+                  </a:outerShdw>
+                </a:effectLst>
+              </a:rPr>
+              <a:t>identificazione</a:t>
+            </a:r>
+            <a:r>
+              <a:rPr lang="it-IT" dirty="0"/>
+              <a:t> vengono considerati solo i consumi relativi alle domeniche. Si nota, infatti, che questi seguono un andamento diverso rispetto agli altri giorni: </a:t>
+            </a:r>
+          </a:p>
+        </p:txBody>
+      </p:sp>
       <p:sp>
         <p:nvSpPr>
           <p:cNvPr id="11" name="CasellaDiTesto 10">
@@ -9099,6 +10341,76 @@
           </a:p>
         </p:txBody>
       </p:sp>
+      <p:pic>
+        <p:nvPicPr>
+          <p:cNvPr id="4" name="Immagine 3">
+            <a:extLst>
+              <a:ext uri="{FF2B5EF4-FFF2-40B4-BE49-F238E27FC236}">
+                <a16:creationId xmlns:a16="http://schemas.microsoft.com/office/drawing/2014/main" id="{54C1CF54-F1C8-45E2-9842-991D0504622C}"/>
+              </a:ext>
+            </a:extLst>
+          </p:cNvPr>
+          <p:cNvPicPr>
+            <a:picLocks noChangeAspect="1"/>
+          </p:cNvPicPr>
+          <p:nvPr/>
+        </p:nvPicPr>
+        <p:blipFill rotWithShape="1">
+          <a:blip r:embed="rId2">
+            <a:extLst>
+              <a:ext uri="{28A0092B-C50C-407E-A947-70E740481C1C}">
+                <a14:useLocalDpi xmlns:a14="http://schemas.microsoft.com/office/drawing/2010/main" val="0"/>
+              </a:ext>
+            </a:extLst>
+          </a:blip>
+          <a:srcRect l="10312" t="3075" r="8439" b="5213"/>
+          <a:stretch/>
+        </p:blipFill>
+        <p:spPr>
+          <a:xfrm>
+            <a:off x="335441" y="2260290"/>
+            <a:ext cx="5699877" cy="3052723"/>
+          </a:xfrm>
+          <a:prstGeom prst="rect">
+            <a:avLst/>
+          </a:prstGeom>
+        </p:spPr>
+      </p:pic>
+      <p:pic>
+        <p:nvPicPr>
+          <p:cNvPr id="9" name="Immagine 8">
+            <a:extLst>
+              <a:ext uri="{FF2B5EF4-FFF2-40B4-BE49-F238E27FC236}">
+                <a16:creationId xmlns:a16="http://schemas.microsoft.com/office/drawing/2014/main" id="{E1F40C9C-45C0-48DF-AFC1-F70623AE3EA4}"/>
+              </a:ext>
+            </a:extLst>
+          </p:cNvPr>
+          <p:cNvPicPr>
+            <a:picLocks noChangeAspect="1"/>
+          </p:cNvPicPr>
+          <p:nvPr/>
+        </p:nvPicPr>
+        <p:blipFill rotWithShape="1">
+          <a:blip r:embed="rId3">
+            <a:extLst>
+              <a:ext uri="{28A0092B-C50C-407E-A947-70E740481C1C}">
+                <a14:useLocalDpi xmlns:a14="http://schemas.microsoft.com/office/drawing/2010/main" val="0"/>
+              </a:ext>
+            </a:extLst>
+          </a:blip>
+          <a:srcRect l="10703" t="3238" r="8750" b="6037"/>
+          <a:stretch/>
+        </p:blipFill>
+        <p:spPr>
+          <a:xfrm>
+            <a:off x="6035318" y="2280918"/>
+            <a:ext cx="5634883" cy="3011465"/>
+          </a:xfrm>
+          <a:prstGeom prst="rect">
+            <a:avLst/>
+          </a:prstGeom>
+        </p:spPr>
+      </p:pic>
     </p:spTree>
     <p:extLst>
       <p:ext uri="{BB962C8B-B14F-4D97-AF65-F5344CB8AC3E}">
@@ -9277,14 +10589,38 @@
           <a:lstStyle/>
           <a:p>
             <a:r>
-              <a:rPr lang="it-IT" dirty="0"/>
+              <a:rPr lang="it-IT" dirty="0">
+                <a:effectLst>
+                  <a:outerShdw blurRad="38100" dist="38100" dir="2700000" algn="tl">
+                    <a:srgbClr val="000000">
+                      <a:alpha val="43137"/>
+                    </a:srgbClr>
+                  </a:outerShdw>
+                </a:effectLst>
+              </a:rPr>
               <a:t>Primo approccio: </a:t>
             </a:r>
             <a:br>
-              <a:rPr lang="it-IT" dirty="0"/>
+              <a:rPr lang="it-IT" dirty="0">
+                <a:effectLst>
+                  <a:outerShdw blurRad="38100" dist="38100" dir="2700000" algn="tl">
+                    <a:srgbClr val="000000">
+                      <a:alpha val="43137"/>
+                    </a:srgbClr>
+                  </a:outerShdw>
+                </a:effectLst>
+              </a:rPr>
             </a:br>
             <a:r>
-              <a:rPr lang="it-IT" dirty="0"/>
+              <a:rPr lang="it-IT" dirty="0">
+                <a:effectLst>
+                  <a:outerShdw blurRad="38100" dist="38100" dir="2700000" algn="tl">
+                    <a:srgbClr val="000000">
+                      <a:alpha val="43137"/>
+                    </a:srgbClr>
+                  </a:outerShdw>
+                </a:effectLst>
+              </a:rPr>
               <a:t>modelli polinomiali </a:t>
             </a:r>
           </a:p>
@@ -9977,7 +11313,7 @@
           <p:cNvPr id="2" name="Titolo 1">
             <a:extLst>
               <a:ext uri="{FF2B5EF4-FFF2-40B4-BE49-F238E27FC236}">
-                <a16:creationId xmlns:a16="http://schemas.microsoft.com/office/drawing/2014/main" id="{5ECBB9FA-B566-444C-A361-4410E94735A1}"/>
+                <a16:creationId xmlns:a16="http://schemas.microsoft.com/office/drawing/2014/main" id="{BA0681D7-7D27-45DC-9762-FFE0BB2BF2ED}"/>
               </a:ext>
             </a:extLst>
           </p:cNvPr>
@@ -9990,19 +11326,19 @@
         </p:nvSpPr>
         <p:spPr>
           <a:xfrm>
-            <a:off x="5295900" y="307172"/>
-            <a:ext cx="5524497" cy="1693077"/>
+            <a:off x="5362552" y="1327924"/>
+            <a:ext cx="6696098" cy="819355"/>
           </a:xfrm>
         </p:spPr>
         <p:txBody>
           <a:bodyPr>
-            <a:normAutofit/>
+            <a:noAutofit/>
           </a:bodyPr>
           <a:lstStyle/>
           <a:p>
             <a:pPr algn="ctr"/>
             <a:r>
-              <a:rPr lang="it-IT" sz="4800" dirty="0">
+              <a:rPr lang="it-IT" sz="4400" dirty="0">
                 <a:solidFill>
                   <a:srgbClr val="FF0000"/>
                 </a:solidFill>
@@ -10014,29 +11350,105 @@
                   </a:outerShdw>
                 </a:effectLst>
               </a:rPr>
-              <a:t>TREND ANNUALI</a:t>
+              <a:t>INDIVIDUAZIONE DEL TREND</a:t>
+            </a:r>
+          </a:p>
+        </p:txBody>
+      </p:sp>
+      <p:sp>
+        <p:nvSpPr>
+          <p:cNvPr id="4" name="Segnaposto testo 3">
+            <a:extLst>
+              <a:ext uri="{FF2B5EF4-FFF2-40B4-BE49-F238E27FC236}">
+                <a16:creationId xmlns:a16="http://schemas.microsoft.com/office/drawing/2014/main" id="{B1AAB8A4-3A9C-44D8-BC50-D839401F5BEA}"/>
+              </a:ext>
+            </a:extLst>
+          </p:cNvPr>
+          <p:cNvSpPr>
+            <a:spLocks noGrp="1"/>
+          </p:cNvSpPr>
+          <p:nvPr>
+            <p:ph type="body" sz="half" idx="2"/>
+          </p:nvPr>
+        </p:nvSpPr>
+        <p:spPr>
+          <a:xfrm>
+            <a:off x="8615351" y="3676650"/>
+            <a:ext cx="2858342" cy="1800225"/>
+          </a:xfrm>
+        </p:spPr>
+        <p:txBody>
+          <a:bodyPr>
+            <a:normAutofit/>
+          </a:bodyPr>
+          <a:lstStyle/>
+          <a:p>
+            <a:r>
+              <a:rPr lang="it-IT" sz="1800" dirty="0"/>
+              <a:t>Disponendo di dati relativi ad un periodo di soli due anni, ci limitiamo a stimare il trend con un </a:t>
+            </a:r>
+            <a:r>
+              <a:rPr lang="it-IT" sz="1800" i="1" dirty="0"/>
+              <a:t>modello lineare</a:t>
+            </a:r>
+            <a:r>
+              <a:rPr lang="it-IT" sz="1800" dirty="0"/>
+              <a:t> di primo ordine. </a:t>
             </a:r>
           </a:p>
         </p:txBody>
       </p:sp>
       <p:pic>
         <p:nvPicPr>
-          <p:cNvPr id="5" name="Segnaposto contenuto 4">
+          <p:cNvPr id="10" name="Immagine 9" descr="Immagine che contiene cielo, barca&#10;&#10;Descrizione generata automaticamente">
             <a:extLst>
               <a:ext uri="{FF2B5EF4-FFF2-40B4-BE49-F238E27FC236}">
-                <a16:creationId xmlns:a16="http://schemas.microsoft.com/office/drawing/2014/main" id="{1C17F462-C714-4957-A599-B6AD9CBFE9C0}"/>
+                <a16:creationId xmlns:a16="http://schemas.microsoft.com/office/drawing/2014/main" id="{1D9774D9-FEB6-4DE7-B202-01F1A8456177}"/>
               </a:ext>
             </a:extLst>
           </p:cNvPr>
           <p:cNvPicPr>
-            <a:picLocks noGrp="1" noChangeAspect="1"/>
+            <a:picLocks noChangeAspect="1"/>
           </p:cNvPicPr>
-          <p:nvPr>
-            <p:ph idx="1"/>
-          </p:nvPr>
+          <p:nvPr/>
+        </p:nvPicPr>
+        <p:blipFill rotWithShape="1">
+          <a:blip r:embed="rId2">
+            <a:extLst>
+              <a:ext uri="{28A0092B-C50C-407E-A947-70E740481C1C}">
+                <a14:useLocalDpi xmlns:a14="http://schemas.microsoft.com/office/drawing/2010/main" val="0"/>
+              </a:ext>
+            </a:extLst>
+          </a:blip>
+          <a:srcRect l="8486" t="2644" r="8432" b="5181"/>
+          <a:stretch/>
+        </p:blipFill>
+        <p:spPr>
+          <a:xfrm>
+            <a:off x="190919" y="2868841"/>
+            <a:ext cx="7686255" cy="3989159"/>
+          </a:xfrm>
+          <a:prstGeom prst="rect">
+            <a:avLst/>
+          </a:prstGeom>
+        </p:spPr>
+      </p:pic>
+      <p:pic>
+        <p:nvPicPr>
+          <p:cNvPr id="12" name="Immagine 11">
+            <a:extLst>
+              <a:ext uri="{FF2B5EF4-FFF2-40B4-BE49-F238E27FC236}">
+                <a16:creationId xmlns:a16="http://schemas.microsoft.com/office/drawing/2014/main" id="{7B45FFB2-E6E4-4ECD-B7D2-F3C2EC4C3FA3}"/>
+              </a:ext>
+            </a:extLst>
+          </p:cNvPr>
+          <p:cNvPicPr>
+            <a:picLocks noChangeAspect="1"/>
+          </p:cNvPicPr>
+          <p:nvPr/>
         </p:nvPicPr>
         <p:blipFill>
-          <a:blip r:embed="rId2">
+          <a:blip r:embed="rId3">
             <a:extLst>
               <a:ext uri="{28A0092B-C50C-407E-A947-70E740481C1C}">
                 <a14:useLocalDpi xmlns:a14="http://schemas.microsoft.com/office/drawing/2010/main" val="0"/>
@@ -10049,85 +11461,8 @@
         </p:blipFill>
         <p:spPr>
           <a:xfrm>
-            <a:off x="84046" y="1514476"/>
-            <a:ext cx="5781675" cy="1761024"/>
-          </a:xfrm>
-        </p:spPr>
-      </p:pic>
-      <p:sp>
-        <p:nvSpPr>
-          <p:cNvPr id="3" name="CasellaDiTesto 2">
-            <a:extLst>
-              <a:ext uri="{FF2B5EF4-FFF2-40B4-BE49-F238E27FC236}">
-                <a16:creationId xmlns:a16="http://schemas.microsoft.com/office/drawing/2014/main" id="{67A53F8C-09FC-4B00-BECA-AE950937C07D}"/>
-              </a:ext>
-            </a:extLst>
-          </p:cNvPr>
-          <p:cNvSpPr txBox="1"/>
-          <p:nvPr/>
-        </p:nvSpPr>
-        <p:spPr>
-          <a:xfrm>
-            <a:off x="245971" y="4482804"/>
-            <a:ext cx="3209925" cy="1477328"/>
-          </a:xfrm>
-          <a:prstGeom prst="rect">
-            <a:avLst/>
-          </a:prstGeom>
-          <a:noFill/>
-        </p:spPr>
-        <p:txBody>
-          <a:bodyPr wrap="square" rtlCol="0">
-            <a:spAutoFit/>
-          </a:bodyPr>
-          <a:lstStyle/>
-          <a:p>
-            <a:r>
-              <a:rPr lang="it-IT" b="1" dirty="0">
-                <a:solidFill>
-                  <a:schemeClr val="accent6"/>
-                </a:solidFill>
-              </a:rPr>
-              <a:t>OSSERVAZIONE</a:t>
-            </a:r>
-          </a:p>
-          <a:p>
-            <a:r>
-              <a:rPr lang="it-IT" dirty="0"/>
-              <a:t>Il primo anno presenta un trend decrescente rispetto al secondo, che risulta invece crescente. </a:t>
-            </a:r>
-          </a:p>
-        </p:txBody>
-      </p:sp>
-      <p:pic>
-        <p:nvPicPr>
-          <p:cNvPr id="9" name="Immagine 8" descr="Immagine che contiene antenna, oggetto&#10;&#10;Descrizione generata automaticamente">
-            <a:extLst>
-              <a:ext uri="{FF2B5EF4-FFF2-40B4-BE49-F238E27FC236}">
-                <a16:creationId xmlns:a16="http://schemas.microsoft.com/office/drawing/2014/main" id="{D794BB85-D52E-4B1F-9C59-9BD1E4F50B70}"/>
-              </a:ext>
-            </a:extLst>
-          </p:cNvPr>
-          <p:cNvPicPr>
-            <a:picLocks noChangeAspect="1"/>
-          </p:cNvPicPr>
-          <p:nvPr/>
-        </p:nvPicPr>
-        <p:blipFill rotWithShape="1">
-          <a:blip r:embed="rId3">
-            <a:extLst>
-              <a:ext uri="{28A0092B-C50C-407E-A947-70E740481C1C}">
-                <a14:useLocalDpi xmlns:a14="http://schemas.microsoft.com/office/drawing/2010/main" val="0"/>
-              </a:ext>
-            </a:extLst>
-          </a:blip>
-          <a:srcRect l="8046" r="7892"/>
-          <a:stretch/>
-        </p:blipFill>
-        <p:spPr>
-          <a:xfrm>
-            <a:off x="4781550" y="2675275"/>
-            <a:ext cx="7410450" cy="4182726"/>
+            <a:off x="418677" y="1425718"/>
+            <a:ext cx="5124873" cy="1493074"/>
           </a:xfrm>
           <a:prstGeom prst="rect">
             <a:avLst/>
@@ -10137,7 +11472,7 @@
     </p:spTree>
     <p:extLst>
       <p:ext uri="{BB962C8B-B14F-4D97-AF65-F5344CB8AC3E}">
-        <p14:creationId xmlns:p14="http://schemas.microsoft.com/office/powerpoint/2010/main" val="1245924985"/>
+        <p14:creationId xmlns:p14="http://schemas.microsoft.com/office/powerpoint/2010/main" val="2531063507"/>
       </p:ext>
     </p:extLst>
   </p:cSld>
